--- a/DJW/presentation/Jogo.pptx
+++ b/DJW/presentation/Jogo.pptx
@@ -8,10 +8,9 @@
     <p:sldId id="262" r:id="rId5"/>
     <p:sldId id="257" r:id="rId6"/>
     <p:sldId id="263" r:id="rId7"/>
-    <p:sldId id="258" r:id="rId8"/>
-    <p:sldId id="259" r:id="rId9"/>
+    <p:sldId id="264" r:id="rId8"/>
+    <p:sldId id="265" r:id="rId9"/>
     <p:sldId id="260" r:id="rId10"/>
-    <p:sldId id="261" r:id="rId11"/>
   </p:sldIdLst>
   <p:sldSz cx="12192000" cy="6858000"/>
   <p:notesSz cx="6858000" cy="9144000"/>
@@ -319,7 +318,7 @@
           <a:p>
             <a:fld id="{3CFF5CA8-4FBC-4297-A9FA-FFDEE1179D37}" type="slidenum">
               <a:rPr lang="pt-PT" smtClean="0"/>
-              <a:t>‹#›</a:t>
+              <a:t>‹nº›</a:t>
             </a:fld>
             <a:endParaRPr lang="pt-PT"/>
           </a:p>
@@ -517,7 +516,7 @@
           <a:p>
             <a:fld id="{3CFF5CA8-4FBC-4297-A9FA-FFDEE1179D37}" type="slidenum">
               <a:rPr lang="pt-PT" smtClean="0"/>
-              <a:t>‹#›</a:t>
+              <a:t>‹nº›</a:t>
             </a:fld>
             <a:endParaRPr lang="pt-PT"/>
           </a:p>
@@ -725,7 +724,7 @@
           <a:p>
             <a:fld id="{3CFF5CA8-4FBC-4297-A9FA-FFDEE1179D37}" type="slidenum">
               <a:rPr lang="pt-PT" smtClean="0"/>
-              <a:t>‹#›</a:t>
+              <a:t>‹nº›</a:t>
             </a:fld>
             <a:endParaRPr lang="pt-PT"/>
           </a:p>
@@ -923,7 +922,7 @@
           <a:p>
             <a:fld id="{3CFF5CA8-4FBC-4297-A9FA-FFDEE1179D37}" type="slidenum">
               <a:rPr lang="pt-PT" smtClean="0"/>
-              <a:t>‹#›</a:t>
+              <a:t>‹nº›</a:t>
             </a:fld>
             <a:endParaRPr lang="pt-PT"/>
           </a:p>
@@ -1198,7 +1197,7 @@
           <a:p>
             <a:fld id="{3CFF5CA8-4FBC-4297-A9FA-FFDEE1179D37}" type="slidenum">
               <a:rPr lang="pt-PT" smtClean="0"/>
-              <a:t>‹#›</a:t>
+              <a:t>‹nº›</a:t>
             </a:fld>
             <a:endParaRPr lang="pt-PT"/>
           </a:p>
@@ -1463,7 +1462,7 @@
           <a:p>
             <a:fld id="{3CFF5CA8-4FBC-4297-A9FA-FFDEE1179D37}" type="slidenum">
               <a:rPr lang="pt-PT" smtClean="0"/>
-              <a:t>‹#›</a:t>
+              <a:t>‹nº›</a:t>
             </a:fld>
             <a:endParaRPr lang="pt-PT"/>
           </a:p>
@@ -1875,7 +1874,7 @@
           <a:p>
             <a:fld id="{3CFF5CA8-4FBC-4297-A9FA-FFDEE1179D37}" type="slidenum">
               <a:rPr lang="pt-PT" smtClean="0"/>
-              <a:t>‹#›</a:t>
+              <a:t>‹nº›</a:t>
             </a:fld>
             <a:endParaRPr lang="pt-PT"/>
           </a:p>
@@ -2016,7 +2015,7 @@
           <a:p>
             <a:fld id="{3CFF5CA8-4FBC-4297-A9FA-FFDEE1179D37}" type="slidenum">
               <a:rPr lang="pt-PT" smtClean="0"/>
-              <a:t>‹#›</a:t>
+              <a:t>‹nº›</a:t>
             </a:fld>
             <a:endParaRPr lang="pt-PT"/>
           </a:p>
@@ -2129,7 +2128,7 @@
           <a:p>
             <a:fld id="{3CFF5CA8-4FBC-4297-A9FA-FFDEE1179D37}" type="slidenum">
               <a:rPr lang="pt-PT" smtClean="0"/>
-              <a:t>‹#›</a:t>
+              <a:t>‹nº›</a:t>
             </a:fld>
             <a:endParaRPr lang="pt-PT"/>
           </a:p>
@@ -2440,7 +2439,7 @@
           <a:p>
             <a:fld id="{3CFF5CA8-4FBC-4297-A9FA-FFDEE1179D37}" type="slidenum">
               <a:rPr lang="pt-PT" smtClean="0"/>
-              <a:t>‹#›</a:t>
+              <a:t>‹nº›</a:t>
             </a:fld>
             <a:endParaRPr lang="pt-PT"/>
           </a:p>
@@ -2728,7 +2727,7 @@
           <a:p>
             <a:fld id="{3CFF5CA8-4FBC-4297-A9FA-FFDEE1179D37}" type="slidenum">
               <a:rPr lang="pt-PT" smtClean="0"/>
-              <a:t>‹#›</a:t>
+              <a:t>‹nº›</a:t>
             </a:fld>
             <a:endParaRPr lang="pt-PT"/>
           </a:p>
@@ -3005,7 +3004,7 @@
           <a:p>
             <a:fld id="{3CFF5CA8-4FBC-4297-A9FA-FFDEE1179D37}" type="slidenum">
               <a:rPr lang="pt-PT" smtClean="0"/>
-              <a:t>‹#›</a:t>
+              <a:t>‹nº›</a:t>
             </a:fld>
             <a:endParaRPr lang="pt-PT"/>
           </a:p>
@@ -3318,6 +3317,14 @@
 <file path=ppt/slides/slide1.xml><?xml version="1.0" encoding="utf-8"?>
 <p:sld xmlns:a="http://schemas.openxmlformats.org/drawingml/2006/main" xmlns:r="http://schemas.openxmlformats.org/officeDocument/2006/relationships" xmlns:p="http://schemas.openxmlformats.org/presentationml/2006/main">
   <p:cSld>
+    <p:bg>
+      <p:bgPr>
+        <a:solidFill>
+          <a:srgbClr val="000000"/>
+        </a:solidFill>
+        <a:effectLst/>
+      </p:bgPr>
+    </p:bg>
     <p:spTree>
       <p:nvGrpSpPr>
         <p:cNvPr id="1" name=""/>
@@ -3334,6 +3341,100 @@
       </p:grpSpPr>
       <p:sp>
         <p:nvSpPr>
+          <p:cNvPr id="9" name="Rectangle 8">
+            <a:extLst>
+              <a:ext uri="{FF2B5EF4-FFF2-40B4-BE49-F238E27FC236}">
+                <a16:creationId xmlns:a16="http://schemas.microsoft.com/office/drawing/2014/main" id="{71B2258F-86CA-4D4D-8270-BC05FCDEBFB3}"/>
+              </a:ext>
+              <a:ext uri="{C183D7F6-B498-43B3-948B-1728B52AA6E4}">
+                <adec:decorative xmlns:adec="http://schemas.microsoft.com/office/drawing/2017/decorative" val="1"/>
+              </a:ext>
+            </a:extLst>
+          </p:cNvPr>
+          <p:cNvSpPr>
+            <a:spLocks noGrp="1" noRot="1" noChangeAspect="1" noMove="1" noResize="1" noEditPoints="1" noAdjustHandles="1" noChangeArrowheads="1" noChangeShapeType="1" noTextEdit="1"/>
+          </p:cNvSpPr>
+          <p:nvPr>
+            <p:extLst>
+              <p:ext uri="{386F3935-93C4-4BCD-93E2-E3B085C9AB24}">
+                <p16:designElem xmlns:p16="http://schemas.microsoft.com/office/powerpoint/2015/main" val="1"/>
+              </p:ext>
+            </p:extLst>
+          </p:nvPr>
+        </p:nvSpPr>
+        <p:spPr>
+          <a:xfrm>
+            <a:off x="0" y="0"/>
+            <a:ext cx="12192000" cy="6857999"/>
+          </a:xfrm>
+          <a:prstGeom prst="rect">
+            <a:avLst/>
+          </a:prstGeom>
+          <a:solidFill>
+            <a:srgbClr val="000000"/>
+          </a:solidFill>
+          <a:ln>
+            <a:noFill/>
+          </a:ln>
+        </p:spPr>
+        <p:style>
+          <a:lnRef idx="2">
+            <a:schemeClr val="accent1">
+              <a:shade val="50000"/>
+            </a:schemeClr>
+          </a:lnRef>
+          <a:fillRef idx="1">
+            <a:schemeClr val="accent1"/>
+          </a:fillRef>
+          <a:effectRef idx="0">
+            <a:schemeClr val="accent1"/>
+          </a:effectRef>
+          <a:fontRef idx="minor">
+            <a:schemeClr val="lt1"/>
+          </a:fontRef>
+        </p:style>
+        <p:txBody>
+          <a:bodyPr rtlCol="0" anchor="ctr"/>
+          <a:lstStyle/>
+          <a:p>
+            <a:pPr algn="ctr"/>
+            <a:endParaRPr lang="en-US"/>
+          </a:p>
+        </p:txBody>
+      </p:sp>
+      <p:pic>
+        <p:nvPicPr>
+          <p:cNvPr id="5" name="Picture 4" descr="School corridor with lockers">
+            <a:extLst>
+              <a:ext uri="{FF2B5EF4-FFF2-40B4-BE49-F238E27FC236}">
+                <a16:creationId xmlns:a16="http://schemas.microsoft.com/office/drawing/2014/main" id="{EF6F7020-B9D2-445B-9D88-4E1384C7F1BC}"/>
+              </a:ext>
+            </a:extLst>
+          </p:cNvPr>
+          <p:cNvPicPr>
+            <a:picLocks noChangeAspect="1"/>
+          </p:cNvPicPr>
+          <p:nvPr/>
+        </p:nvPicPr>
+        <p:blipFill rotWithShape="1">
+          <a:blip r:embed="rId2">
+            <a:alphaModFix amt="50000"/>
+          </a:blip>
+          <a:srcRect t="13793"/>
+          <a:stretch/>
+        </p:blipFill>
+        <p:spPr>
+          <a:xfrm>
+            <a:off x="20" y="1"/>
+            <a:ext cx="12191980" cy="6857999"/>
+          </a:xfrm>
+          <a:prstGeom prst="rect">
+            <a:avLst/>
+          </a:prstGeom>
+        </p:spPr>
+      </p:pic>
+      <p:sp>
+        <p:nvSpPr>
           <p:cNvPr id="2" name="Título 1">
             <a:extLst>
               <a:ext uri="{FF2B5EF4-FFF2-40B4-BE49-F238E27FC236}">
@@ -3348,7 +3449,12 @@
             <p:ph type="ctrTitle"/>
           </p:nvPr>
         </p:nvSpPr>
-        <p:spPr/>
+        <p:spPr>
+          <a:xfrm>
+            <a:off x="1524000" y="1122362"/>
+            <a:ext cx="9144000" cy="2900518"/>
+          </a:xfrm>
+        </p:spPr>
         <p:txBody>
           <a:bodyPr>
             <a:normAutofit/>
@@ -3356,28 +3462,25 @@
           <a:lstStyle/>
           <a:p>
             <a:r>
-              <a:rPr lang="en-US" sz="6000" b="1" dirty="0" err="1"/>
-              <a:t>Apresentaç</a:t>
-            </a:r>
-            <a:r>
-              <a:rPr lang="en-US" b="1" dirty="0" err="1"/>
-              <a:t>ão</a:t>
+              <a:rPr lang="en-US" b="1">
+                <a:solidFill>
+                  <a:srgbClr val="FFFFFF"/>
+                </a:solidFill>
+              </a:rPr>
+              <a:t>Student Life</a:t>
             </a:r>
             <a:br>
-              <a:rPr lang="en-US" dirty="0"/>
+              <a:rPr lang="en-US">
+                <a:solidFill>
+                  <a:srgbClr val="FFFFFF"/>
+                </a:solidFill>
+              </a:rPr>
             </a:br>
-            <a:br>
-              <a:rPr lang="en-US" dirty="0"/>
-            </a:br>
-            <a:r>
-              <a:rPr lang="en-US" sz="4000" dirty="0" err="1"/>
-              <a:t>Trabalho</a:t>
-            </a:r>
-            <a:r>
-              <a:rPr lang="en-US" sz="4000" dirty="0"/>
-              <a:t> final</a:t>
-            </a:r>
-            <a:endParaRPr lang="en-US" dirty="0"/>
+            <a:endParaRPr lang="en-US">
+              <a:solidFill>
+                <a:srgbClr val="FFFFFF"/>
+              </a:solidFill>
+            </a:endParaRPr>
           </a:p>
         </p:txBody>
       </p:sp>
@@ -3397,21 +3500,52 @@
             <p:ph type="subTitle" idx="1"/>
           </p:nvPr>
         </p:nvSpPr>
-        <p:spPr/>
-        <p:txBody>
-          <a:bodyPr/>
-          <a:lstStyle/>
-          <a:p>
-            <a:endParaRPr lang="en-US" dirty="0"/>
-          </a:p>
-          <a:p>
-            <a:r>
-              <a:rPr lang="en-US" dirty="0" err="1"/>
-              <a:t>Elaborado</a:t>
-            </a:r>
-            <a:r>
-              <a:rPr lang="en-US" dirty="0"/>
-              <a:t> por:</a:t>
+        <p:spPr>
+          <a:xfrm>
+            <a:off x="1524000" y="4159404"/>
+            <a:ext cx="9144000" cy="1098395"/>
+          </a:xfrm>
+        </p:spPr>
+        <p:txBody>
+          <a:bodyPr>
+            <a:normAutofit/>
+          </a:bodyPr>
+          <a:lstStyle/>
+          <a:p>
+            <a:endParaRPr lang="en-US" sz="1100">
+              <a:solidFill>
+                <a:srgbClr val="FFFFFF"/>
+              </a:solidFill>
+            </a:endParaRPr>
+          </a:p>
+          <a:p>
+            <a:r>
+              <a:rPr lang="en-US" sz="1100">
+                <a:solidFill>
+                  <a:srgbClr val="FFFFFF"/>
+                </a:solidFill>
+              </a:rPr>
+              <a:t>Elaborado por:</a:t>
+            </a:r>
+          </a:p>
+          <a:p>
+            <a:r>
+              <a:rPr lang="en-US" sz="1100">
+                <a:solidFill>
+                  <a:srgbClr val="FFFFFF"/>
+                </a:solidFill>
+              </a:rPr>
+              <a:t>Diogo Guimarães nº29528</a:t>
+            </a:r>
+          </a:p>
+          <a:p>
+            <a:r>
+              <a:rPr lang="en-US" sz="1100">
+                <a:solidFill>
+                  <a:srgbClr val="FFFFFF"/>
+                </a:solidFill>
+              </a:rPr>
+              <a:t>Jacob</a:t>
             </a:r>
           </a:p>
         </p:txBody>
@@ -3424,7 +3558,7 @@
     </p:extLst>
   </p:cSld>
   <p:clrMapOvr>
-    <a:masterClrMapping/>
+    <a:overrideClrMapping bg1="dk1" tx1="lt1" bg2="dk2" tx2="lt2" accent1="accent1" accent2="accent2" accent3="accent3" accent4="accent4" accent5="accent5" accent6="accent6" hlink="hlink" folHlink="folHlink"/>
   </p:clrMapOvr>
 </p:sld>
 </file>
@@ -3432,6 +3566,14 @@
 <file path=ppt/slides/slide2.xml><?xml version="1.0" encoding="utf-8"?>
 <p:sld xmlns:a="http://schemas.openxmlformats.org/drawingml/2006/main" xmlns:r="http://schemas.openxmlformats.org/officeDocument/2006/relationships" xmlns:p="http://schemas.openxmlformats.org/presentationml/2006/main">
   <p:cSld>
+    <p:bg>
+      <p:bgPr>
+        <a:solidFill>
+          <a:schemeClr val="bg1"/>
+        </a:solidFill>
+        <a:effectLst/>
+      </p:bgPr>
+    </p:bg>
     <p:spTree>
       <p:nvGrpSpPr>
         <p:cNvPr id="1" name=""/>
@@ -3448,6 +3590,100 @@
       </p:grpSpPr>
       <p:sp>
         <p:nvSpPr>
+          <p:cNvPr id="9" name="Rectangle 8">
+            <a:extLst>
+              <a:ext uri="{FF2B5EF4-FFF2-40B4-BE49-F238E27FC236}">
+                <a16:creationId xmlns:a16="http://schemas.microsoft.com/office/drawing/2014/main" id="{C5E6CFF1-2F42-4E10-9A97-F116F46F53FE}"/>
+              </a:ext>
+              <a:ext uri="{C183D7F6-B498-43B3-948B-1728B52AA6E4}">
+                <adec:decorative xmlns:adec="http://schemas.microsoft.com/office/drawing/2017/decorative" val="1"/>
+              </a:ext>
+            </a:extLst>
+          </p:cNvPr>
+          <p:cNvSpPr>
+            <a:spLocks noGrp="1" noRot="1" noChangeAspect="1" noMove="1" noResize="1" noEditPoints="1" noAdjustHandles="1" noChangeArrowheads="1" noChangeShapeType="1" noTextEdit="1"/>
+          </p:cNvSpPr>
+          <p:nvPr>
+            <p:extLst>
+              <p:ext uri="{386F3935-93C4-4BCD-93E2-E3B085C9AB24}">
+                <p16:designElem xmlns:p16="http://schemas.microsoft.com/office/powerpoint/2015/main" val="1"/>
+              </p:ext>
+            </p:extLst>
+          </p:nvPr>
+        </p:nvSpPr>
+        <p:spPr>
+          <a:xfrm>
+            <a:off x="0" y="0"/>
+            <a:ext cx="12192000" cy="6858000"/>
+          </a:xfrm>
+          <a:prstGeom prst="rect">
+            <a:avLst/>
+          </a:prstGeom>
+          <a:solidFill>
+            <a:srgbClr val="000000"/>
+          </a:solidFill>
+          <a:ln>
+            <a:noFill/>
+          </a:ln>
+        </p:spPr>
+        <p:style>
+          <a:lnRef idx="2">
+            <a:schemeClr val="accent1">
+              <a:shade val="50000"/>
+            </a:schemeClr>
+          </a:lnRef>
+          <a:fillRef idx="1">
+            <a:schemeClr val="accent1"/>
+          </a:fillRef>
+          <a:effectRef idx="0">
+            <a:schemeClr val="accent1"/>
+          </a:effectRef>
+          <a:fontRef idx="minor">
+            <a:schemeClr val="lt1"/>
+          </a:fontRef>
+        </p:style>
+        <p:txBody>
+          <a:bodyPr rtlCol="0" anchor="ctr"/>
+          <a:lstStyle/>
+          <a:p>
+            <a:pPr algn="ctr"/>
+            <a:endParaRPr lang="en-US"/>
+          </a:p>
+        </p:txBody>
+      </p:sp>
+      <p:pic>
+        <p:nvPicPr>
+          <p:cNvPr id="5" name="Picture 4" descr="Xeque-mate num jogo de xadrez">
+            <a:extLst>
+              <a:ext uri="{FF2B5EF4-FFF2-40B4-BE49-F238E27FC236}">
+                <a16:creationId xmlns:a16="http://schemas.microsoft.com/office/drawing/2014/main" id="{3E90CC82-4215-412A-853D-EEC63B73C768}"/>
+              </a:ext>
+            </a:extLst>
+          </p:cNvPr>
+          <p:cNvPicPr>
+            <a:picLocks noChangeAspect="1"/>
+          </p:cNvPicPr>
+          <p:nvPr/>
+        </p:nvPicPr>
+        <p:blipFill rotWithShape="1">
+          <a:blip r:embed="rId2">
+            <a:alphaModFix amt="35000"/>
+          </a:blip>
+          <a:srcRect t="25742"/>
+          <a:stretch/>
+        </p:blipFill>
+        <p:spPr>
+          <a:xfrm>
+            <a:off x="20" y="1"/>
+            <a:ext cx="12191980" cy="6857999"/>
+          </a:xfrm>
+          <a:prstGeom prst="rect">
+            <a:avLst/>
+          </a:prstGeom>
+        </p:spPr>
+      </p:pic>
+      <p:sp>
+        <p:nvSpPr>
           <p:cNvPr id="2" name="Título 1">
             <a:extLst>
               <a:ext uri="{FF2B5EF4-FFF2-40B4-BE49-F238E27FC236}">
@@ -3462,18 +3698,82 @@
             <p:ph type="title"/>
           </p:nvPr>
         </p:nvSpPr>
-        <p:spPr/>
-        <p:txBody>
-          <a:bodyPr/>
-          <a:lstStyle/>
-          <a:p>
-            <a:r>
-              <a:rPr lang="pt-PT" dirty="0"/>
+        <p:spPr>
+          <a:xfrm>
+            <a:off x="838201" y="1065862"/>
+            <a:ext cx="3313164" cy="4726276"/>
+          </a:xfrm>
+        </p:spPr>
+        <p:txBody>
+          <a:bodyPr>
+            <a:normAutofit/>
+          </a:bodyPr>
+          <a:lstStyle/>
+          <a:p>
+            <a:pPr algn="r"/>
+            <a:r>
+              <a:rPr lang="pt-PT" sz="4000">
+                <a:solidFill>
+                  <a:srgbClr val="FFFFFF"/>
+                </a:solidFill>
+              </a:rPr>
               <a:t>Conceito</a:t>
             </a:r>
           </a:p>
         </p:txBody>
       </p:sp>
+      <p:cxnSp>
+        <p:nvCxnSpPr>
+          <p:cNvPr id="11" name="Straight Connector 10">
+            <a:extLst>
+              <a:ext uri="{FF2B5EF4-FFF2-40B4-BE49-F238E27FC236}">
+                <a16:creationId xmlns:a16="http://schemas.microsoft.com/office/drawing/2014/main" id="{67182200-4859-4C8D-BCBB-55B245C28BA3}"/>
+              </a:ext>
+              <a:ext uri="{C183D7F6-B498-43B3-948B-1728B52AA6E4}">
+                <adec:decorative xmlns:adec="http://schemas.microsoft.com/office/drawing/2017/decorative" val="1"/>
+              </a:ext>
+            </a:extLst>
+          </p:cNvPr>
+          <p:cNvCxnSpPr>
+            <a:cxnSpLocks noGrp="1" noRot="1" noChangeAspect="1" noMove="1" noResize="1" noEditPoints="1" noAdjustHandles="1" noChangeArrowheads="1" noChangeShapeType="1"/>
+          </p:cNvCxnSpPr>
+          <p:nvPr>
+            <p:extLst>
+              <p:ext uri="{386F3935-93C4-4BCD-93E2-E3B085C9AB24}">
+                <p16:designElem xmlns:p16="http://schemas.microsoft.com/office/powerpoint/2015/main" val="1"/>
+              </p:ext>
+            </p:extLst>
+          </p:nvPr>
+        </p:nvCxnSpPr>
+        <p:spPr>
+          <a:xfrm>
+            <a:off x="4653372" y="2286000"/>
+            <a:ext cx="0" cy="2286000"/>
+          </a:xfrm>
+          <a:prstGeom prst="line">
+            <a:avLst/>
+          </a:prstGeom>
+          <a:ln w="15875">
+            <a:solidFill>
+              <a:srgbClr val="FFFFFF"/>
+            </a:solidFill>
+          </a:ln>
+        </p:spPr>
+        <p:style>
+          <a:lnRef idx="1">
+            <a:schemeClr val="accent1"/>
+          </a:lnRef>
+          <a:fillRef idx="0">
+            <a:schemeClr val="accent1"/>
+          </a:fillRef>
+          <a:effectRef idx="0">
+            <a:schemeClr val="accent1"/>
+          </a:effectRef>
+          <a:fontRef idx="minor">
+            <a:schemeClr val="tx1"/>
+          </a:fontRef>
+        </p:style>
+      </p:cxnSp>
       <p:sp>
         <p:nvSpPr>
           <p:cNvPr id="3" name="Marcador de Posição de Conteúdo 2">
@@ -3490,43 +3790,34 @@
             <p:ph idx="1"/>
           </p:nvPr>
         </p:nvSpPr>
-        <p:spPr/>
-        <p:txBody>
-          <a:bodyPr/>
-          <a:lstStyle/>
-          <a:p>
-            <a:r>
-              <a:rPr lang="pt-PT" dirty="0"/>
-              <a:t>O jogo baseia-se no “</a:t>
-            </a:r>
-            <a:r>
-              <a:rPr lang="pt-PT" dirty="0" err="1"/>
-              <a:t>My</a:t>
-            </a:r>
-            <a:r>
-              <a:rPr lang="pt-PT" dirty="0"/>
-              <a:t> </a:t>
-            </a:r>
-            <a:r>
-              <a:rPr lang="pt-PT" dirty="0" err="1"/>
-              <a:t>Success</a:t>
-            </a:r>
-            <a:r>
-              <a:rPr lang="pt-PT" dirty="0"/>
-              <a:t> </a:t>
-            </a:r>
-            <a:r>
-              <a:rPr lang="pt-PT" dirty="0" err="1"/>
-              <a:t>Story</a:t>
-            </a:r>
-            <a:r>
-              <a:rPr lang="pt-PT" dirty="0"/>
-              <a:t> business“, um jogo de decisões em que a pessoa influencia o decorrer da historia do personagem.</a:t>
-            </a:r>
-          </a:p>
-          <a:p>
-            <a:r>
-              <a:rPr lang="pt-PT" dirty="0"/>
+        <p:spPr>
+          <a:xfrm>
+            <a:off x="5155379" y="1065862"/>
+            <a:ext cx="5744685" cy="4726276"/>
+          </a:xfrm>
+        </p:spPr>
+        <p:txBody>
+          <a:bodyPr anchor="ctr">
+            <a:normAutofit/>
+          </a:bodyPr>
+          <a:lstStyle/>
+          <a:p>
+            <a:r>
+              <a:rPr lang="pt-PT" sz="2000">
+                <a:solidFill>
+                  <a:srgbClr val="FFFFFF"/>
+                </a:solidFill>
+              </a:rPr>
+              <a:t>O jogo baseia-se no “My Success Story business“, um jogo de decisões em que a pessoa influencia o decorrer da historia do personagem.</a:t>
+            </a:r>
+          </a:p>
+          <a:p>
+            <a:r>
+              <a:rPr lang="pt-PT" sz="2000">
+                <a:solidFill>
+                  <a:srgbClr val="FFFFFF"/>
+                </a:solidFill>
+              </a:rPr>
               <a:t>O nosso jogo, será sobre a vida de um estudante universitário.</a:t>
             </a:r>
           </a:p>
@@ -3540,7 +3831,7 @@
     </p:extLst>
   </p:cSld>
   <p:clrMapOvr>
-    <a:masterClrMapping/>
+    <a:overrideClrMapping bg1="dk1" tx1="lt1" bg2="dk2" tx2="lt2" accent1="accent1" accent2="accent2" accent3="accent3" accent4="accent4" accent5="accent5" accent6="accent6" hlink="hlink" folHlink="folHlink"/>
   </p:clrMapOvr>
 </p:sld>
 </file>
@@ -3548,6 +3839,14 @@
 <file path=ppt/slides/slide3.xml><?xml version="1.0" encoding="utf-8"?>
 <p:sld xmlns:a="http://schemas.openxmlformats.org/drawingml/2006/main" xmlns:r="http://schemas.openxmlformats.org/officeDocument/2006/relationships" xmlns:p="http://schemas.openxmlformats.org/presentationml/2006/main">
   <p:cSld>
+    <p:bg>
+      <p:bgPr>
+        <a:solidFill>
+          <a:schemeClr val="bg1"/>
+        </a:solidFill>
+        <a:effectLst/>
+      </p:bgPr>
+    </p:bg>
     <p:spTree>
       <p:nvGrpSpPr>
         <p:cNvPr id="1" name=""/>
@@ -3564,163 +3863,519 @@
       </p:grpSpPr>
       <p:sp>
         <p:nvSpPr>
-          <p:cNvPr id="2" name="Título 1">
-            <a:extLst>
-              <a:ext uri="{FF2B5EF4-FFF2-40B4-BE49-F238E27FC236}">
-                <a16:creationId xmlns:a16="http://schemas.microsoft.com/office/drawing/2014/main" id="{1F22DF6D-6767-4862-B3A2-1F1BADBB3357}"/>
-              </a:ext>
-            </a:extLst>
-          </p:cNvPr>
-          <p:cNvSpPr>
-            <a:spLocks noGrp="1"/>
-          </p:cNvSpPr>
-          <p:nvPr>
-            <p:ph type="title"/>
-          </p:nvPr>
-        </p:nvSpPr>
-        <p:spPr/>
-        <p:txBody>
-          <a:bodyPr/>
-          <a:lstStyle/>
-          <a:p>
-            <a:r>
-              <a:rPr lang="en-US" dirty="0"/>
-              <a:t>O </a:t>
-            </a:r>
-            <a:r>
-              <a:rPr lang="en-US" dirty="0" err="1"/>
-              <a:t>básico</a:t>
-            </a:r>
-            <a:endParaRPr lang="en-US" dirty="0"/>
-          </a:p>
-        </p:txBody>
-      </p:sp>
-      <p:sp>
-        <p:nvSpPr>
-          <p:cNvPr id="3" name="Marcador de Posição de Conteúdo 2">
-            <a:extLst>
-              <a:ext uri="{FF2B5EF4-FFF2-40B4-BE49-F238E27FC236}">
-                <a16:creationId xmlns:a16="http://schemas.microsoft.com/office/drawing/2014/main" id="{A035DE08-011D-464B-B332-58DA8ADFD3EB}"/>
-              </a:ext>
-            </a:extLst>
-          </p:cNvPr>
-          <p:cNvSpPr>
-            <a:spLocks noGrp="1"/>
-          </p:cNvSpPr>
-          <p:nvPr>
-            <p:ph idx="1"/>
+          <p:cNvPr id="9" name="Rectangle 8">
+            <a:extLst>
+              <a:ext uri="{FF2B5EF4-FFF2-40B4-BE49-F238E27FC236}">
+                <a16:creationId xmlns:a16="http://schemas.microsoft.com/office/drawing/2014/main" id="{C5E6CFF1-2F42-4E10-9A97-F116F46F53FE}"/>
+              </a:ext>
+              <a:ext uri="{C183D7F6-B498-43B3-948B-1728B52AA6E4}">
+                <adec:decorative xmlns:adec="http://schemas.microsoft.com/office/drawing/2017/decorative" val="1"/>
+              </a:ext>
+            </a:extLst>
+          </p:cNvPr>
+          <p:cNvSpPr>
+            <a:spLocks noGrp="1" noRot="1" noChangeAspect="1" noMove="1" noResize="1" noEditPoints="1" noAdjustHandles="1" noChangeArrowheads="1" noChangeShapeType="1" noTextEdit="1"/>
+          </p:cNvSpPr>
+          <p:nvPr>
+            <p:extLst>
+              <p:ext uri="{386F3935-93C4-4BCD-93E2-E3B085C9AB24}">
+                <p16:designElem xmlns:p16="http://schemas.microsoft.com/office/powerpoint/2015/main" val="1"/>
+              </p:ext>
+            </p:extLst>
           </p:nvPr>
         </p:nvSpPr>
         <p:spPr>
           <a:xfrm>
-            <a:off x="5145079" y="1468740"/>
-            <a:ext cx="6281873" cy="5248622"/>
+            <a:off x="0" y="0"/>
+            <a:ext cx="12192000" cy="6858000"/>
+          </a:xfrm>
+          <a:prstGeom prst="rect">
+            <a:avLst/>
+          </a:prstGeom>
+          <a:solidFill>
+            <a:srgbClr val="000000"/>
+          </a:solidFill>
+          <a:ln>
+            <a:noFill/>
+          </a:ln>
+        </p:spPr>
+        <p:style>
+          <a:lnRef idx="2">
+            <a:schemeClr val="accent1">
+              <a:shade val="50000"/>
+            </a:schemeClr>
+          </a:lnRef>
+          <a:fillRef idx="1">
+            <a:schemeClr val="accent1"/>
+          </a:fillRef>
+          <a:effectRef idx="0">
+            <a:schemeClr val="accent1"/>
+          </a:effectRef>
+          <a:fontRef idx="minor">
+            <a:schemeClr val="lt1"/>
+          </a:fontRef>
+        </p:style>
+        <p:txBody>
+          <a:bodyPr rtlCol="0" anchor="ctr"/>
+          <a:lstStyle/>
+          <a:p>
+            <a:pPr algn="ctr"/>
+            <a:endParaRPr lang="en-US"/>
+          </a:p>
+        </p:txBody>
+      </p:sp>
+      <p:pic>
+        <p:nvPicPr>
+          <p:cNvPr id="5" name="Picture 4" descr="Formas geométricas num fundo de madeira">
+            <a:extLst>
+              <a:ext uri="{FF2B5EF4-FFF2-40B4-BE49-F238E27FC236}">
+                <a16:creationId xmlns:a16="http://schemas.microsoft.com/office/drawing/2014/main" id="{754F1035-93BC-408D-9340-ED9AA283CA63}"/>
+              </a:ext>
+            </a:extLst>
+          </p:cNvPr>
+          <p:cNvPicPr>
+            <a:picLocks noChangeAspect="1"/>
+          </p:cNvPicPr>
+          <p:nvPr/>
+        </p:nvPicPr>
+        <p:blipFill rotWithShape="1">
+          <a:blip r:embed="rId2">
+            <a:alphaModFix amt="35000"/>
+          </a:blip>
+          <a:srcRect t="2519" b="13212"/>
+          <a:stretch/>
+        </p:blipFill>
+        <p:spPr>
+          <a:xfrm>
+            <a:off x="20" y="1"/>
+            <a:ext cx="12191980" cy="6857999"/>
+          </a:xfrm>
+          <a:prstGeom prst="rect">
+            <a:avLst/>
+          </a:prstGeom>
+        </p:spPr>
+      </p:pic>
+      <p:sp>
+        <p:nvSpPr>
+          <p:cNvPr id="2" name="Título 1">
+            <a:extLst>
+              <a:ext uri="{FF2B5EF4-FFF2-40B4-BE49-F238E27FC236}">
+                <a16:creationId xmlns:a16="http://schemas.microsoft.com/office/drawing/2014/main" id="{1F22DF6D-6767-4862-B3A2-1F1BADBB3357}"/>
+              </a:ext>
+            </a:extLst>
+          </p:cNvPr>
+          <p:cNvSpPr>
+            <a:spLocks noGrp="1"/>
+          </p:cNvSpPr>
+          <p:nvPr>
+            <p:ph type="title"/>
+          </p:nvPr>
+        </p:nvSpPr>
+        <p:spPr>
+          <a:xfrm>
+            <a:off x="838201" y="1065862"/>
+            <a:ext cx="3313164" cy="4726276"/>
           </a:xfrm>
         </p:spPr>
         <p:txBody>
-          <a:bodyPr/>
-          <a:lstStyle/>
-          <a:p>
-            <a:r>
-              <a:rPr lang="en-US" dirty="0"/>
+          <a:bodyPr>
+            <a:normAutofit/>
+          </a:bodyPr>
+          <a:lstStyle/>
+          <a:p>
+            <a:pPr algn="r"/>
+            <a:r>
+              <a:rPr lang="en-US" sz="4000">
+                <a:solidFill>
+                  <a:srgbClr val="FFFFFF"/>
+                </a:solidFill>
+              </a:rPr>
+              <a:t>Caracteristicas do jogo</a:t>
+            </a:r>
+          </a:p>
+        </p:txBody>
+      </p:sp>
+      <p:cxnSp>
+        <p:nvCxnSpPr>
+          <p:cNvPr id="11" name="Straight Connector 10">
+            <a:extLst>
+              <a:ext uri="{FF2B5EF4-FFF2-40B4-BE49-F238E27FC236}">
+                <a16:creationId xmlns:a16="http://schemas.microsoft.com/office/drawing/2014/main" id="{67182200-4859-4C8D-BCBB-55B245C28BA3}"/>
+              </a:ext>
+              <a:ext uri="{C183D7F6-B498-43B3-948B-1728B52AA6E4}">
+                <adec:decorative xmlns:adec="http://schemas.microsoft.com/office/drawing/2017/decorative" val="1"/>
+              </a:ext>
+            </a:extLst>
+          </p:cNvPr>
+          <p:cNvCxnSpPr>
+            <a:cxnSpLocks noGrp="1" noRot="1" noChangeAspect="1" noMove="1" noResize="1" noEditPoints="1" noAdjustHandles="1" noChangeArrowheads="1" noChangeShapeType="1"/>
+          </p:cNvCxnSpPr>
+          <p:nvPr>
+            <p:extLst>
+              <p:ext uri="{386F3935-93C4-4BCD-93E2-E3B085C9AB24}">
+                <p16:designElem xmlns:p16="http://schemas.microsoft.com/office/powerpoint/2015/main" val="1"/>
+              </p:ext>
+            </p:extLst>
+          </p:nvPr>
+        </p:nvCxnSpPr>
+        <p:spPr>
+          <a:xfrm>
+            <a:off x="4653372" y="2286000"/>
+            <a:ext cx="0" cy="2286000"/>
+          </a:xfrm>
+          <a:prstGeom prst="line">
+            <a:avLst/>
+          </a:prstGeom>
+          <a:ln w="15875">
+            <a:solidFill>
+              <a:srgbClr val="FFFFFF"/>
+            </a:solidFill>
+          </a:ln>
+        </p:spPr>
+        <p:style>
+          <a:lnRef idx="1">
+            <a:schemeClr val="accent1"/>
+          </a:lnRef>
+          <a:fillRef idx="0">
+            <a:schemeClr val="accent1"/>
+          </a:fillRef>
+          <a:effectRef idx="0">
+            <a:schemeClr val="accent1"/>
+          </a:effectRef>
+          <a:fontRef idx="minor">
+            <a:schemeClr val="tx1"/>
+          </a:fontRef>
+        </p:style>
+      </p:cxnSp>
+      <p:sp>
+        <p:nvSpPr>
+          <p:cNvPr id="3" name="Marcador de Posição de Conteúdo 2">
+            <a:extLst>
+              <a:ext uri="{FF2B5EF4-FFF2-40B4-BE49-F238E27FC236}">
+                <a16:creationId xmlns:a16="http://schemas.microsoft.com/office/drawing/2014/main" id="{A035DE08-011D-464B-B332-58DA8ADFD3EB}"/>
+              </a:ext>
+            </a:extLst>
+          </p:cNvPr>
+          <p:cNvSpPr>
+            <a:spLocks noGrp="1"/>
+          </p:cNvSpPr>
+          <p:nvPr>
+            <p:ph idx="1"/>
+          </p:nvPr>
+        </p:nvSpPr>
+        <p:spPr>
+          <a:xfrm>
+            <a:off x="5155379" y="1065862"/>
+            <a:ext cx="5744685" cy="4726276"/>
+          </a:xfrm>
+        </p:spPr>
+        <p:txBody>
+          <a:bodyPr anchor="ctr">
+            <a:normAutofit/>
+          </a:bodyPr>
+          <a:lstStyle/>
+          <a:p>
+            <a:endParaRPr lang="en-US" sz="2000">
+              <a:solidFill>
+                <a:srgbClr val="FFFFFF"/>
+              </a:solidFill>
+            </a:endParaRPr>
+          </a:p>
+          <a:p>
+            <a:endParaRPr lang="en-US" sz="2000">
+              <a:solidFill>
+                <a:srgbClr val="FFFFFF"/>
+              </a:solidFill>
+            </a:endParaRPr>
+          </a:p>
+          <a:p>
+            <a:endParaRPr lang="en-US" sz="2000">
+              <a:solidFill>
+                <a:srgbClr val="FFFFFF"/>
+              </a:solidFill>
+            </a:endParaRPr>
+          </a:p>
+          <a:p>
+            <a:endParaRPr lang="en-US" sz="2000">
+              <a:solidFill>
+                <a:srgbClr val="FFFFFF"/>
+              </a:solidFill>
+            </a:endParaRPr>
+          </a:p>
+        </p:txBody>
+      </p:sp>
+      <p:sp>
+        <p:nvSpPr>
+          <p:cNvPr id="8" name="Marcador de Posição de Conteúdo 2">
+            <a:extLst>
+              <a:ext uri="{FF2B5EF4-FFF2-40B4-BE49-F238E27FC236}">
+                <a16:creationId xmlns:a16="http://schemas.microsoft.com/office/drawing/2014/main" id="{B1D9C94A-D386-4F71-B0F0-EE44A5F5D558}"/>
+              </a:ext>
+            </a:extLst>
+          </p:cNvPr>
+          <p:cNvSpPr txBox="1">
+            <a:spLocks/>
+          </p:cNvSpPr>
+          <p:nvPr/>
+        </p:nvSpPr>
+        <p:spPr>
+          <a:xfrm>
+            <a:off x="5307779" y="1218262"/>
+            <a:ext cx="5744685" cy="4726276"/>
+          </a:xfrm>
+          <a:prstGeom prst="rect">
+            <a:avLst/>
+          </a:prstGeom>
+        </p:spPr>
+        <p:txBody>
+          <a:bodyPr vert="horz" lIns="91440" tIns="45720" rIns="91440" bIns="45720" rtlCol="0" anchor="ctr">
+            <a:normAutofit/>
+          </a:bodyPr>
+          <a:lstStyle>
+            <a:lvl1pPr marL="228600" indent="-228600" algn="l" defTabSz="914400" rtl="0" eaLnBrk="1" latinLnBrk="0" hangingPunct="1">
+              <a:lnSpc>
+                <a:spcPct val="90000"/>
+              </a:lnSpc>
+              <a:spcBef>
+                <a:spcPts val="1000"/>
+              </a:spcBef>
+              <a:buFont typeface="Arial" panose="020B0604020202020204" pitchFamily="34" charset="0"/>
+              <a:buChar char="•"/>
+              <a:defRPr sz="2800" kern="1200">
+                <a:solidFill>
+                  <a:schemeClr val="tx1"/>
+                </a:solidFill>
+                <a:latin typeface="+mn-lt"/>
+                <a:ea typeface="+mn-ea"/>
+                <a:cs typeface="+mn-cs"/>
+              </a:defRPr>
+            </a:lvl1pPr>
+            <a:lvl2pPr marL="685800" indent="-228600" algn="l" defTabSz="914400" rtl="0" eaLnBrk="1" latinLnBrk="0" hangingPunct="1">
+              <a:lnSpc>
+                <a:spcPct val="90000"/>
+              </a:lnSpc>
+              <a:spcBef>
+                <a:spcPts val="500"/>
+              </a:spcBef>
+              <a:buFont typeface="Arial" panose="020B0604020202020204" pitchFamily="34" charset="0"/>
+              <a:buChar char="•"/>
+              <a:defRPr sz="2400" kern="1200">
+                <a:solidFill>
+                  <a:schemeClr val="tx1"/>
+                </a:solidFill>
+                <a:latin typeface="+mn-lt"/>
+                <a:ea typeface="+mn-ea"/>
+                <a:cs typeface="+mn-cs"/>
+              </a:defRPr>
+            </a:lvl2pPr>
+            <a:lvl3pPr marL="1143000" indent="-228600" algn="l" defTabSz="914400" rtl="0" eaLnBrk="1" latinLnBrk="0" hangingPunct="1">
+              <a:lnSpc>
+                <a:spcPct val="90000"/>
+              </a:lnSpc>
+              <a:spcBef>
+                <a:spcPts val="500"/>
+              </a:spcBef>
+              <a:buFont typeface="Arial" panose="020B0604020202020204" pitchFamily="34" charset="0"/>
+              <a:buChar char="•"/>
+              <a:defRPr sz="2000" kern="1200">
+                <a:solidFill>
+                  <a:schemeClr val="tx1"/>
+                </a:solidFill>
+                <a:latin typeface="+mn-lt"/>
+                <a:ea typeface="+mn-ea"/>
+                <a:cs typeface="+mn-cs"/>
+              </a:defRPr>
+            </a:lvl3pPr>
+            <a:lvl4pPr marL="1600200" indent="-228600" algn="l" defTabSz="914400" rtl="0" eaLnBrk="1" latinLnBrk="0" hangingPunct="1">
+              <a:lnSpc>
+                <a:spcPct val="90000"/>
+              </a:lnSpc>
+              <a:spcBef>
+                <a:spcPts val="500"/>
+              </a:spcBef>
+              <a:buFont typeface="Arial" panose="020B0604020202020204" pitchFamily="34" charset="0"/>
+              <a:buChar char="•"/>
+              <a:defRPr sz="1800" kern="1200">
+                <a:solidFill>
+                  <a:schemeClr val="tx1"/>
+                </a:solidFill>
+                <a:latin typeface="+mn-lt"/>
+                <a:ea typeface="+mn-ea"/>
+                <a:cs typeface="+mn-cs"/>
+              </a:defRPr>
+            </a:lvl4pPr>
+            <a:lvl5pPr marL="2057400" indent="-228600" algn="l" defTabSz="914400" rtl="0" eaLnBrk="1" latinLnBrk="0" hangingPunct="1">
+              <a:lnSpc>
+                <a:spcPct val="90000"/>
+              </a:lnSpc>
+              <a:spcBef>
+                <a:spcPts val="500"/>
+              </a:spcBef>
+              <a:buFont typeface="Arial" panose="020B0604020202020204" pitchFamily="34" charset="0"/>
+              <a:buChar char="•"/>
+              <a:defRPr sz="1800" kern="1200">
+                <a:solidFill>
+                  <a:schemeClr val="tx1"/>
+                </a:solidFill>
+                <a:latin typeface="+mn-lt"/>
+                <a:ea typeface="+mn-ea"/>
+                <a:cs typeface="+mn-cs"/>
+              </a:defRPr>
+            </a:lvl5pPr>
+            <a:lvl6pPr marL="2514600" indent="-228600" algn="l" defTabSz="914400" rtl="0" eaLnBrk="1" latinLnBrk="0" hangingPunct="1">
+              <a:lnSpc>
+                <a:spcPct val="90000"/>
+              </a:lnSpc>
+              <a:spcBef>
+                <a:spcPts val="500"/>
+              </a:spcBef>
+              <a:buFont typeface="Arial" panose="020B0604020202020204" pitchFamily="34" charset="0"/>
+              <a:buChar char="•"/>
+              <a:defRPr sz="1800" kern="1200">
+                <a:solidFill>
+                  <a:schemeClr val="tx1"/>
+                </a:solidFill>
+                <a:latin typeface="+mn-lt"/>
+                <a:ea typeface="+mn-ea"/>
+                <a:cs typeface="+mn-cs"/>
+              </a:defRPr>
+            </a:lvl6pPr>
+            <a:lvl7pPr marL="2971800" indent="-228600" algn="l" defTabSz="914400" rtl="0" eaLnBrk="1" latinLnBrk="0" hangingPunct="1">
+              <a:lnSpc>
+                <a:spcPct val="90000"/>
+              </a:lnSpc>
+              <a:spcBef>
+                <a:spcPts val="500"/>
+              </a:spcBef>
+              <a:buFont typeface="Arial" panose="020B0604020202020204" pitchFamily="34" charset="0"/>
+              <a:buChar char="•"/>
+              <a:defRPr sz="1800" kern="1200">
+                <a:solidFill>
+                  <a:schemeClr val="tx1"/>
+                </a:solidFill>
+                <a:latin typeface="+mn-lt"/>
+                <a:ea typeface="+mn-ea"/>
+                <a:cs typeface="+mn-cs"/>
+              </a:defRPr>
+            </a:lvl7pPr>
+            <a:lvl8pPr marL="3429000" indent="-228600" algn="l" defTabSz="914400" rtl="0" eaLnBrk="1" latinLnBrk="0" hangingPunct="1">
+              <a:lnSpc>
+                <a:spcPct val="90000"/>
+              </a:lnSpc>
+              <a:spcBef>
+                <a:spcPts val="500"/>
+              </a:spcBef>
+              <a:buFont typeface="Arial" panose="020B0604020202020204" pitchFamily="34" charset="0"/>
+              <a:buChar char="•"/>
+              <a:defRPr sz="1800" kern="1200">
+                <a:solidFill>
+                  <a:schemeClr val="tx1"/>
+                </a:solidFill>
+                <a:latin typeface="+mn-lt"/>
+                <a:ea typeface="+mn-ea"/>
+                <a:cs typeface="+mn-cs"/>
+              </a:defRPr>
+            </a:lvl8pPr>
+            <a:lvl9pPr marL="3886200" indent="-228600" algn="l" defTabSz="914400" rtl="0" eaLnBrk="1" latinLnBrk="0" hangingPunct="1">
+              <a:lnSpc>
+                <a:spcPct val="90000"/>
+              </a:lnSpc>
+              <a:spcBef>
+                <a:spcPts val="500"/>
+              </a:spcBef>
+              <a:buFont typeface="Arial" panose="020B0604020202020204" pitchFamily="34" charset="0"/>
+              <a:buChar char="•"/>
+              <a:defRPr sz="1800" kern="1200">
+                <a:solidFill>
+                  <a:schemeClr val="tx1"/>
+                </a:solidFill>
+                <a:latin typeface="+mn-lt"/>
+                <a:ea typeface="+mn-ea"/>
+                <a:cs typeface="+mn-cs"/>
+              </a:defRPr>
+            </a:lvl9pPr>
+          </a:lstStyle>
+          <a:p>
+            <a:r>
+              <a:rPr lang="en-US" sz="2000" dirty="0"/>
               <a:t>Tipo de </a:t>
             </a:r>
             <a:r>
-              <a:rPr lang="en-US" dirty="0" err="1"/>
+              <a:rPr lang="en-US" sz="2000" dirty="0" err="1"/>
               <a:t>jogo</a:t>
             </a:r>
             <a:r>
-              <a:rPr lang="en-US" dirty="0"/>
+              <a:rPr lang="en-US" sz="2000" dirty="0"/>
+              <a:t> - </a:t>
+            </a:r>
+            <a:r>
+              <a:rPr lang="en-US" sz="2000" dirty="0" err="1"/>
+              <a:t>Estratégia</a:t>
+            </a:r>
+            <a:r>
+              <a:rPr lang="en-US" sz="2000" dirty="0"/>
+              <a:t>;</a:t>
+            </a:r>
+          </a:p>
+          <a:p>
+            <a:r>
+              <a:rPr lang="en-US" sz="2000" dirty="0" err="1"/>
+              <a:t>Conteúdo</a:t>
+            </a:r>
+            <a:r>
+              <a:rPr lang="en-US" sz="2000" dirty="0"/>
+              <a:t>: ;</a:t>
+            </a:r>
+          </a:p>
+          <a:p>
+            <a:r>
+              <a:rPr lang="en-US" sz="2000" dirty="0"/>
+              <a:t>Tom: Casual/</a:t>
+            </a:r>
+            <a:r>
+              <a:rPr lang="en-US" sz="2000" dirty="0" err="1"/>
+              <a:t>humorístico</a:t>
+            </a:r>
+            <a:r>
+              <a:rPr lang="en-US" sz="2000" dirty="0"/>
+              <a:t>;</a:t>
+            </a:r>
+          </a:p>
+          <a:p>
+            <a:r>
+              <a:rPr lang="en-US" sz="2000" dirty="0" err="1"/>
+              <a:t>Duração</a:t>
+            </a:r>
+            <a:r>
+              <a:rPr lang="en-US" sz="2000" dirty="0"/>
               <a:t>: </a:t>
             </a:r>
             <a:r>
-              <a:rPr lang="en-US" dirty="0" err="1"/>
-              <a:t>Estratégia</a:t>
-            </a:r>
-            <a:r>
-              <a:rPr lang="en-US" dirty="0"/>
+              <a:rPr lang="en-US" sz="2000" dirty="0" err="1"/>
+              <a:t>Curta</a:t>
+            </a:r>
+            <a:r>
+              <a:rPr lang="en-US" sz="2000" dirty="0"/>
+              <a:t>/</a:t>
+            </a:r>
+            <a:r>
+              <a:rPr lang="en-US" sz="2000" dirty="0" err="1"/>
+              <a:t>Média</a:t>
+            </a:r>
+            <a:r>
+              <a:rPr lang="en-US" sz="2000" dirty="0"/>
               <a:t>;</a:t>
             </a:r>
           </a:p>
           <a:p>
             <a:r>
-              <a:rPr lang="en-US" dirty="0"/>
-              <a:t>Genre: ;</a:t>
-            </a:r>
-          </a:p>
-          <a:p>
-            <a:r>
-              <a:rPr lang="en-US" dirty="0" err="1"/>
-              <a:t>Combate</a:t>
-            </a:r>
-            <a:r>
-              <a:rPr lang="en-US" dirty="0"/>
-              <a:t>: ;</a:t>
-            </a:r>
-          </a:p>
-          <a:p>
-            <a:r>
-              <a:rPr lang="en-US" dirty="0" err="1"/>
-              <a:t>Conteúdo</a:t>
-            </a:r>
-            <a:r>
-              <a:rPr lang="en-US" dirty="0"/>
-              <a:t>: ;</a:t>
-            </a:r>
-          </a:p>
-          <a:p>
-            <a:r>
-              <a:rPr lang="en-US" dirty="0"/>
-              <a:t>Tom: Casual/</a:t>
-            </a:r>
-            <a:r>
-              <a:rPr lang="en-US" dirty="0" err="1"/>
-              <a:t>humorístico</a:t>
-            </a:r>
-            <a:r>
-              <a:rPr lang="en-US" dirty="0"/>
-              <a:t>;</a:t>
-            </a:r>
-          </a:p>
-          <a:p>
-            <a:r>
-              <a:rPr lang="en-US" dirty="0" err="1"/>
-              <a:t>Duração</a:t>
-            </a:r>
-            <a:r>
-              <a:rPr lang="en-US" dirty="0"/>
-              <a:t>: </a:t>
-            </a:r>
-            <a:r>
-              <a:rPr lang="en-US" dirty="0" err="1"/>
-              <a:t>Curta</a:t>
-            </a:r>
-            <a:r>
-              <a:rPr lang="en-US" dirty="0"/>
-              <a:t>;</a:t>
-            </a:r>
-          </a:p>
-          <a:p>
-            <a:r>
-              <a:rPr lang="en-US" dirty="0" err="1"/>
+              <a:rPr lang="en-US" sz="2000" dirty="0" err="1"/>
               <a:t>Dificuldade</a:t>
             </a:r>
             <a:r>
-              <a:rPr lang="en-US" dirty="0"/>
+              <a:rPr lang="en-US" sz="2000" dirty="0"/>
               <a:t>: Alta;</a:t>
             </a:r>
-          </a:p>
-          <a:p>
-            <a:endParaRPr lang="en-US" dirty="0"/>
-          </a:p>
-          <a:p>
-            <a:endParaRPr lang="en-US" dirty="0"/>
-          </a:p>
-          <a:p>
-            <a:endParaRPr lang="en-US" dirty="0"/>
-          </a:p>
-          <a:p>
-            <a:endParaRPr lang="en-US" dirty="0"/>
           </a:p>
         </p:txBody>
       </p:sp>
@@ -3732,7 +4387,7 @@
     </p:extLst>
   </p:cSld>
   <p:clrMapOvr>
-    <a:masterClrMapping/>
+    <a:overrideClrMapping bg1="dk1" tx1="lt1" bg2="dk2" tx2="lt2" accent1="accent1" accent2="accent2" accent3="accent3" accent4="accent4" accent5="accent5" accent6="accent6" hlink="hlink" folHlink="folHlink"/>
   </p:clrMapOvr>
 </p:sld>
 </file>
@@ -3740,6 +4395,14 @@
 <file path=ppt/slides/slide4.xml><?xml version="1.0" encoding="utf-8"?>
 <p:sld xmlns:a="http://schemas.openxmlformats.org/drawingml/2006/main" xmlns:r="http://schemas.openxmlformats.org/officeDocument/2006/relationships" xmlns:p="http://schemas.openxmlformats.org/presentationml/2006/main">
   <p:cSld>
+    <p:bg>
+      <p:bgPr>
+        <a:solidFill>
+          <a:schemeClr val="bg1"/>
+        </a:solidFill>
+        <a:effectLst/>
+      </p:bgPr>
+    </p:bg>
     <p:spTree>
       <p:nvGrpSpPr>
         <p:cNvPr id="1" name=""/>
@@ -3756,10 +4419,104 @@
       </p:grpSpPr>
       <p:sp>
         <p:nvSpPr>
+          <p:cNvPr id="9" name="Rectangle 8">
+            <a:extLst>
+              <a:ext uri="{FF2B5EF4-FFF2-40B4-BE49-F238E27FC236}">
+                <a16:creationId xmlns:a16="http://schemas.microsoft.com/office/drawing/2014/main" id="{C5E6CFF1-2F42-4E10-9A97-F116F46F53FE}"/>
+              </a:ext>
+              <a:ext uri="{C183D7F6-B498-43B3-948B-1728B52AA6E4}">
+                <adec:decorative xmlns:adec="http://schemas.microsoft.com/office/drawing/2017/decorative" val="1"/>
+              </a:ext>
+            </a:extLst>
+          </p:cNvPr>
+          <p:cNvSpPr>
+            <a:spLocks noGrp="1" noRot="1" noChangeAspect="1" noMove="1" noResize="1" noEditPoints="1" noAdjustHandles="1" noChangeArrowheads="1" noChangeShapeType="1" noTextEdit="1"/>
+          </p:cNvSpPr>
+          <p:nvPr>
+            <p:extLst>
+              <p:ext uri="{386F3935-93C4-4BCD-93E2-E3B085C9AB24}">
+                <p16:designElem xmlns:p16="http://schemas.microsoft.com/office/powerpoint/2015/main" val="1"/>
+              </p:ext>
+            </p:extLst>
+          </p:nvPr>
+        </p:nvSpPr>
+        <p:spPr>
+          <a:xfrm>
+            <a:off x="0" y="0"/>
+            <a:ext cx="12192000" cy="6858000"/>
+          </a:xfrm>
+          <a:prstGeom prst="rect">
+            <a:avLst/>
+          </a:prstGeom>
+          <a:solidFill>
+            <a:srgbClr val="000000"/>
+          </a:solidFill>
+          <a:ln>
+            <a:noFill/>
+          </a:ln>
+        </p:spPr>
+        <p:style>
+          <a:lnRef idx="2">
+            <a:schemeClr val="accent1">
+              <a:shade val="50000"/>
+            </a:schemeClr>
+          </a:lnRef>
+          <a:fillRef idx="1">
+            <a:schemeClr val="accent1"/>
+          </a:fillRef>
+          <a:effectRef idx="0">
+            <a:schemeClr val="accent1"/>
+          </a:effectRef>
+          <a:fontRef idx="minor">
+            <a:schemeClr val="lt1"/>
+          </a:fontRef>
+        </p:style>
+        <p:txBody>
+          <a:bodyPr rtlCol="0" anchor="ctr"/>
+          <a:lstStyle/>
+          <a:p>
+            <a:pPr algn="ctr"/>
+            <a:endParaRPr lang="en-US"/>
+          </a:p>
+        </p:txBody>
+      </p:sp>
+      <p:pic>
+        <p:nvPicPr>
+          <p:cNvPr id="5" name="Picture 4" descr="Peças de metal do jogo do galo">
+            <a:extLst>
+              <a:ext uri="{FF2B5EF4-FFF2-40B4-BE49-F238E27FC236}">
+                <a16:creationId xmlns:a16="http://schemas.microsoft.com/office/drawing/2014/main" id="{184D86CA-42BD-47F8-8DF1-85998E02F157}"/>
+              </a:ext>
+            </a:extLst>
+          </p:cNvPr>
+          <p:cNvPicPr>
+            <a:picLocks noChangeAspect="1"/>
+          </p:cNvPicPr>
+          <p:nvPr/>
+        </p:nvPicPr>
+        <p:blipFill rotWithShape="1">
+          <a:blip r:embed="rId2">
+            <a:alphaModFix amt="35000"/>
+          </a:blip>
+          <a:srcRect t="19239" b="5761"/>
+          <a:stretch/>
+        </p:blipFill>
+        <p:spPr>
+          <a:xfrm>
+            <a:off x="20" y="1"/>
+            <a:ext cx="12191980" cy="6857999"/>
+          </a:xfrm>
+          <a:prstGeom prst="rect">
+            <a:avLst/>
+          </a:prstGeom>
+        </p:spPr>
+      </p:pic>
+      <p:sp>
+        <p:nvSpPr>
           <p:cNvPr id="2" name="Título 1">
             <a:extLst>
               <a:ext uri="{FF2B5EF4-FFF2-40B4-BE49-F238E27FC236}">
-                <a16:creationId xmlns:a16="http://schemas.microsoft.com/office/drawing/2014/main" id="{7D74E3F5-6C28-498B-8990-BBBEB5870321}"/>
+                <a16:creationId xmlns:a16="http://schemas.microsoft.com/office/drawing/2014/main" id="{51ABF7FC-FF70-45F2-B307-DD90476ECC81}"/>
               </a:ext>
             </a:extLst>
           </p:cNvPr>
@@ -3770,24 +4527,89 @@
             <p:ph type="title"/>
           </p:nvPr>
         </p:nvSpPr>
-        <p:spPr/>
-        <p:txBody>
-          <a:bodyPr/>
-          <a:lstStyle/>
-          <a:p>
-            <a:r>
-              <a:rPr lang="pt-PT" dirty="0"/>
+        <p:spPr>
+          <a:xfrm>
+            <a:off x="838201" y="1065862"/>
+            <a:ext cx="3313164" cy="4726276"/>
+          </a:xfrm>
+        </p:spPr>
+        <p:txBody>
+          <a:bodyPr>
+            <a:normAutofit/>
+          </a:bodyPr>
+          <a:lstStyle/>
+          <a:p>
+            <a:pPr algn="r"/>
+            <a:r>
+              <a:rPr lang="pt-PT" sz="4000" dirty="0"/>
               <a:t>Controlos</a:t>
             </a:r>
-          </a:p>
-        </p:txBody>
-      </p:sp>
+            <a:endParaRPr lang="pt-PT" sz="4000" dirty="0">
+              <a:solidFill>
+                <a:srgbClr val="FFFFFF"/>
+              </a:solidFill>
+            </a:endParaRPr>
+          </a:p>
+        </p:txBody>
+      </p:sp>
+      <p:cxnSp>
+        <p:nvCxnSpPr>
+          <p:cNvPr id="11" name="Straight Connector 10">
+            <a:extLst>
+              <a:ext uri="{FF2B5EF4-FFF2-40B4-BE49-F238E27FC236}">
+                <a16:creationId xmlns:a16="http://schemas.microsoft.com/office/drawing/2014/main" id="{67182200-4859-4C8D-BCBB-55B245C28BA3}"/>
+              </a:ext>
+              <a:ext uri="{C183D7F6-B498-43B3-948B-1728B52AA6E4}">
+                <adec:decorative xmlns:adec="http://schemas.microsoft.com/office/drawing/2017/decorative" val="1"/>
+              </a:ext>
+            </a:extLst>
+          </p:cNvPr>
+          <p:cNvCxnSpPr>
+            <a:cxnSpLocks noGrp="1" noRot="1" noChangeAspect="1" noMove="1" noResize="1" noEditPoints="1" noAdjustHandles="1" noChangeArrowheads="1" noChangeShapeType="1"/>
+          </p:cNvCxnSpPr>
+          <p:nvPr>
+            <p:extLst>
+              <p:ext uri="{386F3935-93C4-4BCD-93E2-E3B085C9AB24}">
+                <p16:designElem xmlns:p16="http://schemas.microsoft.com/office/powerpoint/2015/main" val="1"/>
+              </p:ext>
+            </p:extLst>
+          </p:nvPr>
+        </p:nvCxnSpPr>
+        <p:spPr>
+          <a:xfrm>
+            <a:off x="4653372" y="2286000"/>
+            <a:ext cx="0" cy="2286000"/>
+          </a:xfrm>
+          <a:prstGeom prst="line">
+            <a:avLst/>
+          </a:prstGeom>
+          <a:ln w="15875">
+            <a:solidFill>
+              <a:srgbClr val="FFFFFF"/>
+            </a:solidFill>
+          </a:ln>
+        </p:spPr>
+        <p:style>
+          <a:lnRef idx="1">
+            <a:schemeClr val="accent1"/>
+          </a:lnRef>
+          <a:fillRef idx="0">
+            <a:schemeClr val="accent1"/>
+          </a:fillRef>
+          <a:effectRef idx="0">
+            <a:schemeClr val="accent1"/>
+          </a:effectRef>
+          <a:fontRef idx="minor">
+            <a:schemeClr val="tx1"/>
+          </a:fontRef>
+        </p:style>
+      </p:cxnSp>
       <p:sp>
         <p:nvSpPr>
           <p:cNvPr id="3" name="Marcador de Posição de Conteúdo 2">
             <a:extLst>
               <a:ext uri="{FF2B5EF4-FFF2-40B4-BE49-F238E27FC236}">
-                <a16:creationId xmlns:a16="http://schemas.microsoft.com/office/drawing/2014/main" id="{BD8DB0A4-3964-40C4-B75A-2A658750E5CB}"/>
+                <a16:creationId xmlns:a16="http://schemas.microsoft.com/office/drawing/2014/main" id="{705CBCA9-A82E-410A-B703-7DE9D3B6152E}"/>
               </a:ext>
             </a:extLst>
           </p:cNvPr>
@@ -3798,46 +4620,40 @@
             <p:ph idx="1"/>
           </p:nvPr>
         </p:nvSpPr>
-        <p:spPr/>
-        <p:txBody>
-          <a:bodyPr/>
-          <a:lstStyle/>
-          <a:p>
-            <a:r>
-              <a:rPr lang="pt-PT" dirty="0"/>
-              <a:t>o uso do </a:t>
-            </a:r>
-            <a:r>
-              <a:rPr lang="pt-PT" dirty="0" err="1"/>
-              <a:t>click</a:t>
-            </a:r>
-            <a:r>
-              <a:rPr lang="pt-PT" dirty="0"/>
-              <a:t> do rato para interagir com o jogo</a:t>
-            </a:r>
-          </a:p>
-          <a:p>
-            <a:r>
-              <a:rPr lang="pt-PT" dirty="0"/>
-              <a:t>áreas de </a:t>
-            </a:r>
-            <a:r>
-              <a:rPr lang="pt-PT" dirty="0" err="1"/>
-              <a:t>click</a:t>
-            </a:r>
-            <a:endParaRPr lang="pt-PT" dirty="0"/>
+        <p:spPr>
+          <a:xfrm>
+            <a:off x="5155379" y="1065862"/>
+            <a:ext cx="5744685" cy="4726276"/>
+          </a:xfrm>
+        </p:spPr>
+        <p:txBody>
+          <a:bodyPr anchor="ctr">
+            <a:normAutofit/>
+          </a:bodyPr>
+          <a:lstStyle/>
+          <a:p>
+            <a:r>
+              <a:rPr lang="pt-PT" sz="2000" dirty="0"/>
+              <a:t>Uso do rato/dedo para interagir com o jogo</a:t>
+            </a:r>
+          </a:p>
+          <a:p>
+            <a:r>
+              <a:rPr lang="pt-PT" sz="2000" dirty="0"/>
+              <a:t>Áreas clicáveis</a:t>
+            </a:r>
           </a:p>
         </p:txBody>
       </p:sp>
     </p:spTree>
     <p:extLst>
       <p:ext uri="{BB962C8B-B14F-4D97-AF65-F5344CB8AC3E}">
-        <p14:creationId xmlns:p14="http://schemas.microsoft.com/office/powerpoint/2010/main" val="3609717511"/>
+        <p14:creationId xmlns:p14="http://schemas.microsoft.com/office/powerpoint/2010/main" val="4294539813"/>
       </p:ext>
     </p:extLst>
   </p:cSld>
   <p:clrMapOvr>
-    <a:masterClrMapping/>
+    <a:overrideClrMapping bg1="dk1" tx1="lt1" bg2="dk2" tx2="lt2" accent1="accent1" accent2="accent2" accent3="accent3" accent4="accent4" accent5="accent5" accent6="accent6" hlink="hlink" folHlink="folHlink"/>
   </p:clrMapOvr>
 </p:sld>
 </file>
@@ -3845,6 +4661,14 @@
 <file path=ppt/slides/slide5.xml><?xml version="1.0" encoding="utf-8"?>
 <p:sld xmlns:a="http://schemas.openxmlformats.org/drawingml/2006/main" xmlns:r="http://schemas.openxmlformats.org/officeDocument/2006/relationships" xmlns:p="http://schemas.openxmlformats.org/presentationml/2006/main">
   <p:cSld>
+    <p:bg>
+      <p:bgPr>
+        <a:solidFill>
+          <a:schemeClr val="bg1"/>
+        </a:solidFill>
+        <a:effectLst/>
+      </p:bgPr>
+    </p:bg>
     <p:spTree>
       <p:nvGrpSpPr>
         <p:cNvPr id="1" name=""/>
@@ -3861,10 +4685,104 @@
       </p:grpSpPr>
       <p:sp>
         <p:nvSpPr>
+          <p:cNvPr id="9" name="Rectangle 8">
+            <a:extLst>
+              <a:ext uri="{FF2B5EF4-FFF2-40B4-BE49-F238E27FC236}">
+                <a16:creationId xmlns:a16="http://schemas.microsoft.com/office/drawing/2014/main" id="{C5E6CFF1-2F42-4E10-9A97-F116F46F53FE}"/>
+              </a:ext>
+              <a:ext uri="{C183D7F6-B498-43B3-948B-1728B52AA6E4}">
+                <adec:decorative xmlns:adec="http://schemas.microsoft.com/office/drawing/2017/decorative" val="1"/>
+              </a:ext>
+            </a:extLst>
+          </p:cNvPr>
+          <p:cNvSpPr>
+            <a:spLocks noGrp="1" noRot="1" noChangeAspect="1" noMove="1" noResize="1" noEditPoints="1" noAdjustHandles="1" noChangeArrowheads="1" noChangeShapeType="1" noTextEdit="1"/>
+          </p:cNvSpPr>
+          <p:nvPr>
+            <p:extLst>
+              <p:ext uri="{386F3935-93C4-4BCD-93E2-E3B085C9AB24}">
+                <p16:designElem xmlns:p16="http://schemas.microsoft.com/office/powerpoint/2015/main" val="1"/>
+              </p:ext>
+            </p:extLst>
+          </p:nvPr>
+        </p:nvSpPr>
+        <p:spPr>
+          <a:xfrm>
+            <a:off x="0" y="0"/>
+            <a:ext cx="12192000" cy="6858000"/>
+          </a:xfrm>
+          <a:prstGeom prst="rect">
+            <a:avLst/>
+          </a:prstGeom>
+          <a:solidFill>
+            <a:srgbClr val="000000"/>
+          </a:solidFill>
+          <a:ln>
+            <a:noFill/>
+          </a:ln>
+        </p:spPr>
+        <p:style>
+          <a:lnRef idx="2">
+            <a:schemeClr val="accent1">
+              <a:shade val="50000"/>
+            </a:schemeClr>
+          </a:lnRef>
+          <a:fillRef idx="1">
+            <a:schemeClr val="accent1"/>
+          </a:fillRef>
+          <a:effectRef idx="0">
+            <a:schemeClr val="accent1"/>
+          </a:effectRef>
+          <a:fontRef idx="minor">
+            <a:schemeClr val="lt1"/>
+          </a:fontRef>
+        </p:style>
+        <p:txBody>
+          <a:bodyPr rtlCol="0" anchor="ctr"/>
+          <a:lstStyle/>
+          <a:p>
+            <a:pPr algn="ctr"/>
+            <a:endParaRPr lang="en-US"/>
+          </a:p>
+        </p:txBody>
+      </p:sp>
+      <p:pic>
+        <p:nvPicPr>
+          <p:cNvPr id="5" name="Picture 4" descr="CPU com números binários e cópia heliográfica">
+            <a:extLst>
+              <a:ext uri="{FF2B5EF4-FFF2-40B4-BE49-F238E27FC236}">
+                <a16:creationId xmlns:a16="http://schemas.microsoft.com/office/drawing/2014/main" id="{3368AD23-606E-4265-A60A-0C50EB7619B5}"/>
+              </a:ext>
+            </a:extLst>
+          </p:cNvPr>
+          <p:cNvPicPr>
+            <a:picLocks noChangeAspect="1"/>
+          </p:cNvPicPr>
+          <p:nvPr/>
+        </p:nvPicPr>
+        <p:blipFill rotWithShape="1">
+          <a:blip r:embed="rId2">
+            <a:alphaModFix amt="35000"/>
+          </a:blip>
+          <a:srcRect/>
+          <a:stretch/>
+        </p:blipFill>
+        <p:spPr>
+          <a:xfrm>
+            <a:off x="20" y="1"/>
+            <a:ext cx="12191980" cy="6857999"/>
+          </a:xfrm>
+          <a:prstGeom prst="rect">
+            <a:avLst/>
+          </a:prstGeom>
+        </p:spPr>
+      </p:pic>
+      <p:sp>
+        <p:nvSpPr>
           <p:cNvPr id="2" name="Título 1">
             <a:extLst>
               <a:ext uri="{FF2B5EF4-FFF2-40B4-BE49-F238E27FC236}">
-                <a16:creationId xmlns:a16="http://schemas.microsoft.com/office/drawing/2014/main" id="{17248152-FBA4-4331-9151-6BD508B3AE95}"/>
+                <a16:creationId xmlns:a16="http://schemas.microsoft.com/office/drawing/2014/main" id="{1F22DF6D-6767-4862-B3A2-1F1BADBB3357}"/>
               </a:ext>
             </a:extLst>
           </p:cNvPr>
@@ -3875,25 +4793,89 @@
             <p:ph type="title"/>
           </p:nvPr>
         </p:nvSpPr>
-        <p:spPr/>
-        <p:txBody>
-          <a:bodyPr/>
-          <a:lstStyle/>
-          <a:p>
-            <a:r>
-              <a:rPr lang="pt-PT" dirty="0" err="1"/>
-              <a:t>Mecanicas</a:t>
-            </a:r>
-            <a:endParaRPr lang="pt-PT" dirty="0"/>
-          </a:p>
-        </p:txBody>
-      </p:sp>
+        <p:spPr>
+          <a:xfrm>
+            <a:off x="838201" y="1065862"/>
+            <a:ext cx="3313164" cy="4726276"/>
+          </a:xfrm>
+        </p:spPr>
+        <p:txBody>
+          <a:bodyPr>
+            <a:normAutofit/>
+          </a:bodyPr>
+          <a:lstStyle/>
+          <a:p>
+            <a:pPr algn="r"/>
+            <a:r>
+              <a:rPr lang="pt-PT" sz="4000" dirty="0"/>
+              <a:t>Mecânicas</a:t>
+            </a:r>
+            <a:endParaRPr lang="en-US" sz="4000" dirty="0">
+              <a:solidFill>
+                <a:srgbClr val="FFFFFF"/>
+              </a:solidFill>
+            </a:endParaRPr>
+          </a:p>
+        </p:txBody>
+      </p:sp>
+      <p:cxnSp>
+        <p:nvCxnSpPr>
+          <p:cNvPr id="11" name="Straight Connector 10">
+            <a:extLst>
+              <a:ext uri="{FF2B5EF4-FFF2-40B4-BE49-F238E27FC236}">
+                <a16:creationId xmlns:a16="http://schemas.microsoft.com/office/drawing/2014/main" id="{67182200-4859-4C8D-BCBB-55B245C28BA3}"/>
+              </a:ext>
+              <a:ext uri="{C183D7F6-B498-43B3-948B-1728B52AA6E4}">
+                <adec:decorative xmlns:adec="http://schemas.microsoft.com/office/drawing/2017/decorative" val="1"/>
+              </a:ext>
+            </a:extLst>
+          </p:cNvPr>
+          <p:cNvCxnSpPr>
+            <a:cxnSpLocks noGrp="1" noRot="1" noChangeAspect="1" noMove="1" noResize="1" noEditPoints="1" noAdjustHandles="1" noChangeArrowheads="1" noChangeShapeType="1"/>
+          </p:cNvCxnSpPr>
+          <p:nvPr>
+            <p:extLst>
+              <p:ext uri="{386F3935-93C4-4BCD-93E2-E3B085C9AB24}">
+                <p16:designElem xmlns:p16="http://schemas.microsoft.com/office/powerpoint/2015/main" val="1"/>
+              </p:ext>
+            </p:extLst>
+          </p:nvPr>
+        </p:nvCxnSpPr>
+        <p:spPr>
+          <a:xfrm>
+            <a:off x="4653372" y="2286000"/>
+            <a:ext cx="0" cy="2286000"/>
+          </a:xfrm>
+          <a:prstGeom prst="line">
+            <a:avLst/>
+          </a:prstGeom>
+          <a:ln w="15875">
+            <a:solidFill>
+              <a:srgbClr val="FFFFFF"/>
+            </a:solidFill>
+          </a:ln>
+        </p:spPr>
+        <p:style>
+          <a:lnRef idx="1">
+            <a:schemeClr val="accent1"/>
+          </a:lnRef>
+          <a:fillRef idx="0">
+            <a:schemeClr val="accent1"/>
+          </a:fillRef>
+          <a:effectRef idx="0">
+            <a:schemeClr val="accent1"/>
+          </a:effectRef>
+          <a:fontRef idx="minor">
+            <a:schemeClr val="tx1"/>
+          </a:fontRef>
+        </p:style>
+      </p:cxnSp>
       <p:sp>
         <p:nvSpPr>
           <p:cNvPr id="3" name="Marcador de Posição de Conteúdo 2">
             <a:extLst>
               <a:ext uri="{FF2B5EF4-FFF2-40B4-BE49-F238E27FC236}">
-                <a16:creationId xmlns:a16="http://schemas.microsoft.com/office/drawing/2014/main" id="{4E4C5834-6CF7-42A3-BC19-6DE2BAF6746A}"/>
+                <a16:creationId xmlns:a16="http://schemas.microsoft.com/office/drawing/2014/main" id="{A035DE08-011D-464B-B332-58DA8ADFD3EB}"/>
               </a:ext>
             </a:extLst>
           </p:cNvPr>
@@ -3904,17 +4886,242 @@
             <p:ph idx="1"/>
           </p:nvPr>
         </p:nvSpPr>
-        <p:spPr/>
-        <p:txBody>
-          <a:bodyPr/>
-          <a:lstStyle/>
-          <a:p>
-            <a:endParaRPr lang="pt-PT" dirty="0"/>
-          </a:p>
-          <a:p>
-            <a:r>
-              <a:rPr lang="pt-PT" dirty="0"/>
-              <a:t>cada decisão feita influencia o decorrer do jogo</a:t>
+        <p:spPr>
+          <a:xfrm>
+            <a:off x="5155379" y="1065862"/>
+            <a:ext cx="5744685" cy="4726276"/>
+          </a:xfrm>
+        </p:spPr>
+        <p:txBody>
+          <a:bodyPr anchor="ctr">
+            <a:normAutofit/>
+          </a:bodyPr>
+          <a:lstStyle/>
+          <a:p>
+            <a:endParaRPr lang="en-US" sz="2000" dirty="0">
+              <a:solidFill>
+                <a:srgbClr val="FFFFFF"/>
+              </a:solidFill>
+            </a:endParaRPr>
+          </a:p>
+          <a:p>
+            <a:endParaRPr lang="en-US" sz="2000" dirty="0">
+              <a:solidFill>
+                <a:srgbClr val="FFFFFF"/>
+              </a:solidFill>
+            </a:endParaRPr>
+          </a:p>
+          <a:p>
+            <a:endParaRPr lang="en-US" sz="2000" dirty="0">
+              <a:solidFill>
+                <a:srgbClr val="FFFFFF"/>
+              </a:solidFill>
+            </a:endParaRPr>
+          </a:p>
+          <a:p>
+            <a:endParaRPr lang="en-US" sz="2000" dirty="0">
+              <a:solidFill>
+                <a:srgbClr val="FFFFFF"/>
+              </a:solidFill>
+            </a:endParaRPr>
+          </a:p>
+        </p:txBody>
+      </p:sp>
+      <p:sp>
+        <p:nvSpPr>
+          <p:cNvPr id="12" name="Marcador de Posição de Conteúdo 2">
+            <a:extLst>
+              <a:ext uri="{FF2B5EF4-FFF2-40B4-BE49-F238E27FC236}">
+                <a16:creationId xmlns:a16="http://schemas.microsoft.com/office/drawing/2014/main" id="{56065665-96BE-44FF-8986-2FC914569669}"/>
+              </a:ext>
+            </a:extLst>
+          </p:cNvPr>
+          <p:cNvSpPr txBox="1">
+            <a:spLocks/>
+          </p:cNvSpPr>
+          <p:nvPr/>
+        </p:nvSpPr>
+        <p:spPr>
+          <a:xfrm>
+            <a:off x="5307779" y="1218262"/>
+            <a:ext cx="5744685" cy="4726276"/>
+          </a:xfrm>
+          <a:prstGeom prst="rect">
+            <a:avLst/>
+          </a:prstGeom>
+        </p:spPr>
+        <p:txBody>
+          <a:bodyPr vert="horz" lIns="91440" tIns="45720" rIns="91440" bIns="45720" rtlCol="0" anchor="ctr">
+            <a:normAutofit/>
+          </a:bodyPr>
+          <a:lstStyle>
+            <a:lvl1pPr marL="228600" indent="-228600" algn="l" defTabSz="914400" rtl="0" eaLnBrk="1" latinLnBrk="0" hangingPunct="1">
+              <a:lnSpc>
+                <a:spcPct val="90000"/>
+              </a:lnSpc>
+              <a:spcBef>
+                <a:spcPts val="1000"/>
+              </a:spcBef>
+              <a:buFont typeface="Arial" panose="020B0604020202020204" pitchFamily="34" charset="0"/>
+              <a:buChar char="•"/>
+              <a:defRPr sz="2800" kern="1200">
+                <a:solidFill>
+                  <a:schemeClr val="tx1"/>
+                </a:solidFill>
+                <a:latin typeface="+mn-lt"/>
+                <a:ea typeface="+mn-ea"/>
+                <a:cs typeface="+mn-cs"/>
+              </a:defRPr>
+            </a:lvl1pPr>
+            <a:lvl2pPr marL="685800" indent="-228600" algn="l" defTabSz="914400" rtl="0" eaLnBrk="1" latinLnBrk="0" hangingPunct="1">
+              <a:lnSpc>
+                <a:spcPct val="90000"/>
+              </a:lnSpc>
+              <a:spcBef>
+                <a:spcPts val="500"/>
+              </a:spcBef>
+              <a:buFont typeface="Arial" panose="020B0604020202020204" pitchFamily="34" charset="0"/>
+              <a:buChar char="•"/>
+              <a:defRPr sz="2400" kern="1200">
+                <a:solidFill>
+                  <a:schemeClr val="tx1"/>
+                </a:solidFill>
+                <a:latin typeface="+mn-lt"/>
+                <a:ea typeface="+mn-ea"/>
+                <a:cs typeface="+mn-cs"/>
+              </a:defRPr>
+            </a:lvl2pPr>
+            <a:lvl3pPr marL="1143000" indent="-228600" algn="l" defTabSz="914400" rtl="0" eaLnBrk="1" latinLnBrk="0" hangingPunct="1">
+              <a:lnSpc>
+                <a:spcPct val="90000"/>
+              </a:lnSpc>
+              <a:spcBef>
+                <a:spcPts val="500"/>
+              </a:spcBef>
+              <a:buFont typeface="Arial" panose="020B0604020202020204" pitchFamily="34" charset="0"/>
+              <a:buChar char="•"/>
+              <a:defRPr sz="2000" kern="1200">
+                <a:solidFill>
+                  <a:schemeClr val="tx1"/>
+                </a:solidFill>
+                <a:latin typeface="+mn-lt"/>
+                <a:ea typeface="+mn-ea"/>
+                <a:cs typeface="+mn-cs"/>
+              </a:defRPr>
+            </a:lvl3pPr>
+            <a:lvl4pPr marL="1600200" indent="-228600" algn="l" defTabSz="914400" rtl="0" eaLnBrk="1" latinLnBrk="0" hangingPunct="1">
+              <a:lnSpc>
+                <a:spcPct val="90000"/>
+              </a:lnSpc>
+              <a:spcBef>
+                <a:spcPts val="500"/>
+              </a:spcBef>
+              <a:buFont typeface="Arial" panose="020B0604020202020204" pitchFamily="34" charset="0"/>
+              <a:buChar char="•"/>
+              <a:defRPr sz="1800" kern="1200">
+                <a:solidFill>
+                  <a:schemeClr val="tx1"/>
+                </a:solidFill>
+                <a:latin typeface="+mn-lt"/>
+                <a:ea typeface="+mn-ea"/>
+                <a:cs typeface="+mn-cs"/>
+              </a:defRPr>
+            </a:lvl4pPr>
+            <a:lvl5pPr marL="2057400" indent="-228600" algn="l" defTabSz="914400" rtl="0" eaLnBrk="1" latinLnBrk="0" hangingPunct="1">
+              <a:lnSpc>
+                <a:spcPct val="90000"/>
+              </a:lnSpc>
+              <a:spcBef>
+                <a:spcPts val="500"/>
+              </a:spcBef>
+              <a:buFont typeface="Arial" panose="020B0604020202020204" pitchFamily="34" charset="0"/>
+              <a:buChar char="•"/>
+              <a:defRPr sz="1800" kern="1200">
+                <a:solidFill>
+                  <a:schemeClr val="tx1"/>
+                </a:solidFill>
+                <a:latin typeface="+mn-lt"/>
+                <a:ea typeface="+mn-ea"/>
+                <a:cs typeface="+mn-cs"/>
+              </a:defRPr>
+            </a:lvl5pPr>
+            <a:lvl6pPr marL="2514600" indent="-228600" algn="l" defTabSz="914400" rtl="0" eaLnBrk="1" latinLnBrk="0" hangingPunct="1">
+              <a:lnSpc>
+                <a:spcPct val="90000"/>
+              </a:lnSpc>
+              <a:spcBef>
+                <a:spcPts val="500"/>
+              </a:spcBef>
+              <a:buFont typeface="Arial" panose="020B0604020202020204" pitchFamily="34" charset="0"/>
+              <a:buChar char="•"/>
+              <a:defRPr sz="1800" kern="1200">
+                <a:solidFill>
+                  <a:schemeClr val="tx1"/>
+                </a:solidFill>
+                <a:latin typeface="+mn-lt"/>
+                <a:ea typeface="+mn-ea"/>
+                <a:cs typeface="+mn-cs"/>
+              </a:defRPr>
+            </a:lvl6pPr>
+            <a:lvl7pPr marL="2971800" indent="-228600" algn="l" defTabSz="914400" rtl="0" eaLnBrk="1" latinLnBrk="0" hangingPunct="1">
+              <a:lnSpc>
+                <a:spcPct val="90000"/>
+              </a:lnSpc>
+              <a:spcBef>
+                <a:spcPts val="500"/>
+              </a:spcBef>
+              <a:buFont typeface="Arial" panose="020B0604020202020204" pitchFamily="34" charset="0"/>
+              <a:buChar char="•"/>
+              <a:defRPr sz="1800" kern="1200">
+                <a:solidFill>
+                  <a:schemeClr val="tx1"/>
+                </a:solidFill>
+                <a:latin typeface="+mn-lt"/>
+                <a:ea typeface="+mn-ea"/>
+                <a:cs typeface="+mn-cs"/>
+              </a:defRPr>
+            </a:lvl7pPr>
+            <a:lvl8pPr marL="3429000" indent="-228600" algn="l" defTabSz="914400" rtl="0" eaLnBrk="1" latinLnBrk="0" hangingPunct="1">
+              <a:lnSpc>
+                <a:spcPct val="90000"/>
+              </a:lnSpc>
+              <a:spcBef>
+                <a:spcPts val="500"/>
+              </a:spcBef>
+              <a:buFont typeface="Arial" panose="020B0604020202020204" pitchFamily="34" charset="0"/>
+              <a:buChar char="•"/>
+              <a:defRPr sz="1800" kern="1200">
+                <a:solidFill>
+                  <a:schemeClr val="tx1"/>
+                </a:solidFill>
+                <a:latin typeface="+mn-lt"/>
+                <a:ea typeface="+mn-ea"/>
+                <a:cs typeface="+mn-cs"/>
+              </a:defRPr>
+            </a:lvl8pPr>
+            <a:lvl9pPr marL="3886200" indent="-228600" algn="l" defTabSz="914400" rtl="0" eaLnBrk="1" latinLnBrk="0" hangingPunct="1">
+              <a:lnSpc>
+                <a:spcPct val="90000"/>
+              </a:lnSpc>
+              <a:spcBef>
+                <a:spcPts val="500"/>
+              </a:spcBef>
+              <a:buFont typeface="Arial" panose="020B0604020202020204" pitchFamily="34" charset="0"/>
+              <a:buChar char="•"/>
+              <a:defRPr sz="1800" kern="1200">
+                <a:solidFill>
+                  <a:schemeClr val="tx1"/>
+                </a:solidFill>
+                <a:latin typeface="+mn-lt"/>
+                <a:ea typeface="+mn-ea"/>
+                <a:cs typeface="+mn-cs"/>
+              </a:defRPr>
+            </a:lvl9pPr>
+          </a:lstStyle>
+          <a:p>
+            <a:r>
+              <a:rPr lang="pt-PT" sz="2000" dirty="0"/>
+              <a:t>Cada decisão feita influencia o decorrer do jogo, ou seja, irá alterar  a vida do personagem</a:t>
             </a:r>
           </a:p>
         </p:txBody>
@@ -3922,12 +5129,12 @@
     </p:spTree>
     <p:extLst>
       <p:ext uri="{BB962C8B-B14F-4D97-AF65-F5344CB8AC3E}">
-        <p14:creationId xmlns:p14="http://schemas.microsoft.com/office/powerpoint/2010/main" val="2356671540"/>
+        <p14:creationId xmlns:p14="http://schemas.microsoft.com/office/powerpoint/2010/main" val="994128659"/>
       </p:ext>
     </p:extLst>
   </p:cSld>
   <p:clrMapOvr>
-    <a:masterClrMapping/>
+    <a:overrideClrMapping bg1="dk1" tx1="lt1" bg2="dk2" tx2="lt2" accent1="accent1" accent2="accent2" accent3="accent3" accent4="accent4" accent5="accent5" accent6="accent6" hlink="hlink" folHlink="folHlink"/>
   </p:clrMapOvr>
 </p:sld>
 </file>
@@ -3935,6 +5142,14 @@
 <file path=ppt/slides/slide6.xml><?xml version="1.0" encoding="utf-8"?>
 <p:sld xmlns:a="http://schemas.openxmlformats.org/drawingml/2006/main" xmlns:r="http://schemas.openxmlformats.org/officeDocument/2006/relationships" xmlns:p="http://schemas.openxmlformats.org/presentationml/2006/main">
   <p:cSld>
+    <p:bg>
+      <p:bgPr>
+        <a:solidFill>
+          <a:schemeClr val="bg1"/>
+        </a:solidFill>
+        <a:effectLst/>
+      </p:bgPr>
+    </p:bg>
     <p:spTree>
       <p:nvGrpSpPr>
         <p:cNvPr id="1" name=""/>
@@ -3949,6 +5164,218 @@
           <a:chExt cx="0" cy="0"/>
         </a:xfrm>
       </p:grpSpPr>
+      <p:sp useBgFill="1">
+        <p:nvSpPr>
+          <p:cNvPr id="9" name="!!BGRectangle">
+            <a:extLst>
+              <a:ext uri="{FF2B5EF4-FFF2-40B4-BE49-F238E27FC236}">
+                <a16:creationId xmlns:a16="http://schemas.microsoft.com/office/drawing/2014/main" id="{25E8815A-9407-4234-B08F-A1E49DCD7F37}"/>
+              </a:ext>
+              <a:ext uri="{C183D7F6-B498-43B3-948B-1728B52AA6E4}">
+                <adec:decorative xmlns:adec="http://schemas.microsoft.com/office/drawing/2017/decorative" val="1"/>
+              </a:ext>
+            </a:extLst>
+          </p:cNvPr>
+          <p:cNvSpPr>
+            <a:spLocks noGrp="1" noRot="1" noChangeAspect="1" noMove="1" noResize="1" noEditPoints="1" noAdjustHandles="1" noChangeArrowheads="1" noChangeShapeType="1" noTextEdit="1"/>
+          </p:cNvSpPr>
+          <p:nvPr>
+            <p:extLst>
+              <p:ext uri="{386F3935-93C4-4BCD-93E2-E3B085C9AB24}">
+                <p16:designElem xmlns:p16="http://schemas.microsoft.com/office/powerpoint/2015/main" val="1"/>
+              </p:ext>
+            </p:extLst>
+          </p:nvPr>
+        </p:nvSpPr>
+        <p:spPr>
+          <a:xfrm>
+            <a:off x="3048" y="-6182"/>
+            <a:ext cx="12188952" cy="6858000"/>
+          </a:xfrm>
+          <a:prstGeom prst="rect">
+            <a:avLst/>
+          </a:prstGeom>
+          <a:ln>
+            <a:noFill/>
+          </a:ln>
+        </p:spPr>
+        <p:style>
+          <a:lnRef idx="2">
+            <a:schemeClr val="accent1">
+              <a:shade val="50000"/>
+            </a:schemeClr>
+          </a:lnRef>
+          <a:fillRef idx="1">
+            <a:schemeClr val="accent1"/>
+          </a:fillRef>
+          <a:effectRef idx="0">
+            <a:schemeClr val="accent1"/>
+          </a:effectRef>
+          <a:fontRef idx="minor">
+            <a:schemeClr val="lt1"/>
+          </a:fontRef>
+        </p:style>
+        <p:txBody>
+          <a:bodyPr rtlCol="0" anchor="ctr"/>
+          <a:lstStyle/>
+          <a:p>
+            <a:pPr marL="0" marR="0" lvl="0" indent="0" algn="ctr" defTabSz="914400" rtl="0" eaLnBrk="1" fontAlgn="auto" latinLnBrk="0" hangingPunct="1">
+              <a:lnSpc>
+                <a:spcPct val="100000"/>
+              </a:lnSpc>
+              <a:spcBef>
+                <a:spcPts val="0"/>
+              </a:spcBef>
+              <a:spcAft>
+                <a:spcPts val="0"/>
+              </a:spcAft>
+              <a:buClrTx/>
+              <a:buSzTx/>
+              <a:buFontTx/>
+              <a:buNone/>
+              <a:tabLst/>
+              <a:defRPr/>
+            </a:pPr>
+            <a:endParaRPr kumimoji="0" lang="en-US" sz="1800" b="0" i="0" u="none" strike="noStrike" kern="1200" cap="none" spc="0" normalizeH="0" baseline="0" noProof="0">
+              <a:ln>
+                <a:noFill/>
+              </a:ln>
+              <a:solidFill>
+                <a:prstClr val="white"/>
+              </a:solidFill>
+              <a:effectLst/>
+              <a:uLnTx/>
+              <a:uFillTx/>
+              <a:latin typeface="Calibri" panose="020F0502020204030204"/>
+              <a:ea typeface="+mn-ea"/>
+              <a:cs typeface="+mn-cs"/>
+            </a:endParaRPr>
+          </a:p>
+        </p:txBody>
+      </p:sp>
+      <p:sp>
+        <p:nvSpPr>
+          <p:cNvPr id="11" name="Rectangle 10">
+            <a:extLst>
+              <a:ext uri="{FF2B5EF4-FFF2-40B4-BE49-F238E27FC236}">
+                <a16:creationId xmlns:a16="http://schemas.microsoft.com/office/drawing/2014/main" id="{AD72D4D1-076F-49D3-9889-EFC4F6D7CA66}"/>
+              </a:ext>
+              <a:ext uri="{C183D7F6-B498-43B3-948B-1728B52AA6E4}">
+                <adec:decorative xmlns:adec="http://schemas.microsoft.com/office/drawing/2017/decorative" val="1"/>
+              </a:ext>
+            </a:extLst>
+          </p:cNvPr>
+          <p:cNvSpPr>
+            <a:spLocks noGrp="1" noRot="1" noChangeAspect="1" noMove="1" noResize="1" noEditPoints="1" noAdjustHandles="1" noChangeArrowheads="1" noChangeShapeType="1" noTextEdit="1"/>
+          </p:cNvSpPr>
+          <p:nvPr>
+            <p:extLst>
+              <p:ext uri="{386F3935-93C4-4BCD-93E2-E3B085C9AB24}">
+                <p16:designElem xmlns:p16="http://schemas.microsoft.com/office/powerpoint/2015/main" val="1"/>
+              </p:ext>
+            </p:extLst>
+          </p:nvPr>
+        </p:nvSpPr>
+        <p:spPr>
+          <a:xfrm>
+            <a:off x="0" y="0"/>
+            <a:ext cx="12192000" cy="6858000"/>
+          </a:xfrm>
+          <a:prstGeom prst="rect">
+            <a:avLst/>
+          </a:prstGeom>
+          <a:solidFill>
+            <a:srgbClr val="000000"/>
+          </a:solidFill>
+          <a:ln>
+            <a:noFill/>
+          </a:ln>
+        </p:spPr>
+        <p:style>
+          <a:lnRef idx="2">
+            <a:schemeClr val="accent1">
+              <a:shade val="50000"/>
+            </a:schemeClr>
+          </a:lnRef>
+          <a:fillRef idx="1">
+            <a:schemeClr val="accent1"/>
+          </a:fillRef>
+          <a:effectRef idx="0">
+            <a:schemeClr val="accent1"/>
+          </a:effectRef>
+          <a:fontRef idx="minor">
+            <a:schemeClr val="lt1"/>
+          </a:fontRef>
+        </p:style>
+        <p:txBody>
+          <a:bodyPr rtlCol="0" anchor="ctr"/>
+          <a:lstStyle/>
+          <a:p>
+            <a:pPr marL="0" marR="0" lvl="0" indent="0" algn="ctr" defTabSz="914400" rtl="0" eaLnBrk="1" fontAlgn="auto" latinLnBrk="0" hangingPunct="1">
+              <a:lnSpc>
+                <a:spcPct val="100000"/>
+              </a:lnSpc>
+              <a:spcBef>
+                <a:spcPts val="0"/>
+              </a:spcBef>
+              <a:spcAft>
+                <a:spcPts val="0"/>
+              </a:spcAft>
+              <a:buClrTx/>
+              <a:buSzTx/>
+              <a:buFontTx/>
+              <a:buNone/>
+              <a:tabLst/>
+              <a:defRPr/>
+            </a:pPr>
+            <a:endParaRPr kumimoji="0" lang="en-US" sz="1800" b="0" i="0" u="none" strike="noStrike" kern="1200" cap="none" spc="0" normalizeH="0" baseline="0" noProof="0">
+              <a:ln>
+                <a:noFill/>
+              </a:ln>
+              <a:solidFill>
+                <a:prstClr val="white"/>
+              </a:solidFill>
+              <a:effectLst/>
+              <a:uLnTx/>
+              <a:uFillTx/>
+              <a:latin typeface="Calibri" panose="020F0502020204030204"/>
+              <a:ea typeface="+mn-ea"/>
+              <a:cs typeface="+mn-cs"/>
+            </a:endParaRPr>
+          </a:p>
+        </p:txBody>
+      </p:sp>
+      <p:pic>
+        <p:nvPicPr>
+          <p:cNvPr id="5" name="Picture 4" descr="Viagem a solo">
+            <a:extLst>
+              <a:ext uri="{FF2B5EF4-FFF2-40B4-BE49-F238E27FC236}">
+                <a16:creationId xmlns:a16="http://schemas.microsoft.com/office/drawing/2014/main" id="{38C2941D-2595-417D-84C9-59EC70DAC981}"/>
+              </a:ext>
+            </a:extLst>
+          </p:cNvPr>
+          <p:cNvPicPr>
+            <a:picLocks noChangeAspect="1"/>
+          </p:cNvPicPr>
+          <p:nvPr/>
+        </p:nvPicPr>
+        <p:blipFill rotWithShape="1">
+          <a:blip r:embed="rId2">
+            <a:alphaModFix amt="50000"/>
+          </a:blip>
+          <a:srcRect t="14293" b="10707"/>
+          <a:stretch/>
+        </p:blipFill>
+        <p:spPr>
+          <a:xfrm>
+            <a:off x="20" y="1"/>
+            <a:ext cx="12191980" cy="6857999"/>
+          </a:xfrm>
+          <a:prstGeom prst="rect">
+            <a:avLst/>
+          </a:prstGeom>
+        </p:spPr>
+      </p:pic>
       <p:sp>
         <p:nvSpPr>
           <p:cNvPr id="2" name="Título 1">
@@ -3965,13 +5392,25 @@
             <p:ph type="title"/>
           </p:nvPr>
         </p:nvSpPr>
-        <p:spPr/>
-        <p:txBody>
-          <a:bodyPr/>
-          <a:lstStyle/>
-          <a:p>
-            <a:r>
-              <a:rPr lang="pt-PT" dirty="0"/>
+        <p:spPr>
+          <a:xfrm>
+            <a:off x="838200" y="963877"/>
+            <a:ext cx="3494362" cy="4930246"/>
+          </a:xfrm>
+        </p:spPr>
+        <p:txBody>
+          <a:bodyPr>
+            <a:normAutofit/>
+          </a:bodyPr>
+          <a:lstStyle/>
+          <a:p>
+            <a:pPr algn="r"/>
+            <a:r>
+              <a:rPr lang="pt-PT">
+                <a:solidFill>
+                  <a:schemeClr val="bg1"/>
+                </a:solidFill>
+              </a:rPr>
               <a:t>Inspiração</a:t>
             </a:r>
           </a:p>
@@ -3979,6 +5418,98 @@
       </p:sp>
       <p:sp>
         <p:nvSpPr>
+          <p:cNvPr id="13" name="!!Line">
+            <a:extLst>
+              <a:ext uri="{FF2B5EF4-FFF2-40B4-BE49-F238E27FC236}">
+                <a16:creationId xmlns:a16="http://schemas.microsoft.com/office/drawing/2014/main" id="{C9C56819-FD02-4626-ABF5-85C7463C990D}"/>
+              </a:ext>
+              <a:ext uri="{C183D7F6-B498-43B3-948B-1728B52AA6E4}">
+                <adec:decorative xmlns:adec="http://schemas.microsoft.com/office/drawing/2017/decorative" val="1"/>
+              </a:ext>
+            </a:extLst>
+          </p:cNvPr>
+          <p:cNvSpPr>
+            <a:spLocks noGrp="1" noRot="1" noChangeAspect="1" noMove="1" noResize="1" noEditPoints="1" noAdjustHandles="1" noChangeArrowheads="1" noChangeShapeType="1" noTextEdit="1"/>
+          </p:cNvSpPr>
+          <p:nvPr>
+            <p:extLst>
+              <p:ext uri="{386F3935-93C4-4BCD-93E2-E3B085C9AB24}">
+                <p16:designElem xmlns:p16="http://schemas.microsoft.com/office/powerpoint/2015/main" val="1"/>
+              </p:ext>
+            </p:extLst>
+          </p:nvPr>
+        </p:nvSpPr>
+        <p:spPr>
+          <a:xfrm>
+            <a:off x="4640580" y="2057400"/>
+            <a:ext cx="27432" cy="2743200"/>
+          </a:xfrm>
+          <a:prstGeom prst="rect">
+            <a:avLst/>
+          </a:prstGeom>
+          <a:solidFill>
+            <a:srgbClr val="FFFFFF"/>
+          </a:solidFill>
+          <a:ln>
+            <a:noFill/>
+          </a:ln>
+        </p:spPr>
+        <p:style>
+          <a:lnRef idx="2">
+            <a:schemeClr val="accent1">
+              <a:shade val="50000"/>
+            </a:schemeClr>
+          </a:lnRef>
+          <a:fillRef idx="1">
+            <a:schemeClr val="accent1"/>
+          </a:fillRef>
+          <a:effectRef idx="0">
+            <a:schemeClr val="accent1"/>
+          </a:effectRef>
+          <a:fontRef idx="minor">
+            <a:schemeClr val="lt1"/>
+          </a:fontRef>
+        </p:style>
+        <p:txBody>
+          <a:bodyPr rtlCol="0" anchor="ctr"/>
+          <a:lstStyle/>
+          <a:p>
+            <a:pPr marL="0" marR="0" lvl="0" indent="0" algn="ctr" defTabSz="914400" rtl="0" eaLnBrk="1" fontAlgn="auto" latinLnBrk="0" hangingPunct="1">
+              <a:lnSpc>
+                <a:spcPct val="100000"/>
+              </a:lnSpc>
+              <a:spcBef>
+                <a:spcPts val="0"/>
+              </a:spcBef>
+              <a:spcAft>
+                <a:spcPts val="0"/>
+              </a:spcAft>
+              <a:buClrTx/>
+              <a:buSzTx/>
+              <a:buFontTx/>
+              <a:buNone/>
+              <a:tabLst/>
+              <a:defRPr/>
+            </a:pPr>
+            <a:endParaRPr kumimoji="0" lang="en-US" sz="1800" b="0" i="0" u="none" strike="noStrike" kern="1200" cap="none" spc="0" normalizeH="0" baseline="0" noProof="0">
+              <a:ln>
+                <a:noFill/>
+              </a:ln>
+              <a:solidFill>
+                <a:prstClr val="white"/>
+              </a:solidFill>
+              <a:effectLst/>
+              <a:uLnTx/>
+              <a:uFillTx/>
+              <a:latin typeface="Calibri" panose="020F0502020204030204"/>
+              <a:ea typeface="+mn-ea"/>
+              <a:cs typeface="+mn-cs"/>
+            </a:endParaRPr>
+          </a:p>
+        </p:txBody>
+      </p:sp>
+      <p:sp>
+        <p:nvSpPr>
           <p:cNvPr id="3" name="Marcador de Posição de Conteúdo 2">
             <a:extLst>
               <a:ext uri="{FF2B5EF4-FFF2-40B4-BE49-F238E27FC236}">
@@ -3993,24 +5524,43 @@
             <p:ph idx="1"/>
           </p:nvPr>
         </p:nvSpPr>
-        <p:spPr/>
-        <p:txBody>
-          <a:bodyPr/>
-          <a:lstStyle/>
-          <a:p>
-            <a:r>
-              <a:rPr lang="pt-PT" dirty="0"/>
+        <p:spPr>
+          <a:xfrm>
+            <a:off x="4976031" y="963877"/>
+            <a:ext cx="6377769" cy="4930246"/>
+          </a:xfrm>
+        </p:spPr>
+        <p:txBody>
+          <a:bodyPr anchor="ctr">
+            <a:normAutofit/>
+          </a:bodyPr>
+          <a:lstStyle/>
+          <a:p>
+            <a:r>
+              <a:rPr lang="pt-PT" sz="2400">
+                <a:solidFill>
+                  <a:schemeClr val="bg1"/>
+                </a:solidFill>
+              </a:rPr>
               <a:t>o jogo foi inspirado na vida de um estudante, e nas muitas decisões que ele faz, ou não faz , no dia a dia.</a:t>
             </a:r>
           </a:p>
           <a:p>
             <a:r>
-              <a:rPr lang="pt-PT" dirty="0"/>
+              <a:rPr lang="pt-PT" sz="2400">
+                <a:solidFill>
+                  <a:schemeClr val="bg1"/>
+                </a:solidFill>
+              </a:rPr>
               <a:t>O percurso que ele tem na universidade</a:t>
             </a:r>
           </a:p>
           <a:p>
-            <a:endParaRPr lang="pt-PT" dirty="0"/>
+            <a:endParaRPr lang="pt-PT" sz="2400">
+              <a:solidFill>
+                <a:schemeClr val="bg1"/>
+              </a:solidFill>
+            </a:endParaRPr>
           </a:p>
         </p:txBody>
       </p:sp>
@@ -4018,86 +5568,6 @@
     <p:extLst>
       <p:ext uri="{BB962C8B-B14F-4D97-AF65-F5344CB8AC3E}">
         <p14:creationId xmlns:p14="http://schemas.microsoft.com/office/powerpoint/2010/main" val="961058707"/>
-      </p:ext>
-    </p:extLst>
-  </p:cSld>
-  <p:clrMapOvr>
-    <a:masterClrMapping/>
-  </p:clrMapOvr>
-</p:sld>
-</file>
-
-<file path=ppt/slides/slide7.xml><?xml version="1.0" encoding="utf-8"?>
-<p:sld xmlns:a="http://schemas.openxmlformats.org/drawingml/2006/main" xmlns:r="http://schemas.openxmlformats.org/officeDocument/2006/relationships" xmlns:p="http://schemas.openxmlformats.org/presentationml/2006/main">
-  <p:cSld>
-    <p:spTree>
-      <p:nvGrpSpPr>
-        <p:cNvPr id="1" name=""/>
-        <p:cNvGrpSpPr/>
-        <p:nvPr/>
-      </p:nvGrpSpPr>
-      <p:grpSpPr>
-        <a:xfrm>
-          <a:off x="0" y="0"/>
-          <a:ext cx="0" cy="0"/>
-          <a:chOff x="0" y="0"/>
-          <a:chExt cx="0" cy="0"/>
-        </a:xfrm>
-      </p:grpSpPr>
-      <p:sp>
-        <p:nvSpPr>
-          <p:cNvPr id="2" name="Título 1">
-            <a:extLst>
-              <a:ext uri="{FF2B5EF4-FFF2-40B4-BE49-F238E27FC236}">
-                <a16:creationId xmlns:a16="http://schemas.microsoft.com/office/drawing/2014/main" id="{CEF4BDB0-5FDE-417C-8F1D-88453727DE74}"/>
-              </a:ext>
-            </a:extLst>
-          </p:cNvPr>
-          <p:cNvSpPr>
-            <a:spLocks noGrp="1"/>
-          </p:cNvSpPr>
-          <p:nvPr>
-            <p:ph type="title"/>
-          </p:nvPr>
-        </p:nvSpPr>
-        <p:spPr/>
-        <p:txBody>
-          <a:bodyPr/>
-          <a:lstStyle/>
-          <a:p>
-            <a:endParaRPr lang="pt-PT"/>
-          </a:p>
-        </p:txBody>
-      </p:sp>
-      <p:sp>
-        <p:nvSpPr>
-          <p:cNvPr id="3" name="Marcador de Posição de Conteúdo 2">
-            <a:extLst>
-              <a:ext uri="{FF2B5EF4-FFF2-40B4-BE49-F238E27FC236}">
-                <a16:creationId xmlns:a16="http://schemas.microsoft.com/office/drawing/2014/main" id="{F8B34CC4-CB1C-4144-AC82-76A0FE0F7FF7}"/>
-              </a:ext>
-            </a:extLst>
-          </p:cNvPr>
-          <p:cNvSpPr>
-            <a:spLocks noGrp="1"/>
-          </p:cNvSpPr>
-          <p:nvPr>
-            <p:ph idx="1"/>
-          </p:nvPr>
-        </p:nvSpPr>
-        <p:spPr/>
-        <p:txBody>
-          <a:bodyPr/>
-          <a:lstStyle/>
-          <a:p>
-            <a:endParaRPr lang="pt-PT"/>
-          </a:p>
-        </p:txBody>
-      </p:sp>
-    </p:spTree>
-    <p:extLst>
-      <p:ext uri="{BB962C8B-B14F-4D97-AF65-F5344CB8AC3E}">
-        <p14:creationId xmlns:p14="http://schemas.microsoft.com/office/powerpoint/2010/main" val="3383701172"/>
       </p:ext>
     </p:extLst>
   </p:cSld>
@@ -4403,21 +5873,6 @@
 </file>
 
 <file path=customXml/item1.xml><?xml version="1.0" encoding="utf-8"?>
-<p:properties xmlns:p="http://schemas.microsoft.com/office/2006/metadata/properties" xmlns:xsi="http://www.w3.org/2001/XMLSchema-instance" xmlns:pc="http://schemas.microsoft.com/office/infopath/2007/PartnerControls">
-  <documentManagement/>
-</p:properties>
-</file>
-
-<file path=customXml/item2.xml><?xml version="1.0" encoding="utf-8"?>
-<?mso-contentType ?>
-<FormTemplates xmlns="http://schemas.microsoft.com/sharepoint/v3/contenttype/forms">
-  <Display>DocumentLibraryForm</Display>
-  <Edit>DocumentLibraryForm</Edit>
-  <New>DocumentLibraryForm</New>
-</FormTemplates>
-</file>
-
-<file path=customXml/item3.xml><?xml version="1.0" encoding="utf-8"?>
 <ct:contentTypeSchema xmlns:ct="http://schemas.microsoft.com/office/2006/metadata/contentType" xmlns:ma="http://schemas.microsoft.com/office/2006/metadata/properties/metaAttributes" ct:_="" ma:_="" ma:contentTypeName="Documento" ma:contentTypeID="0x0101009C5DFCF2F47D4E4A83232B07BDBD642B" ma:contentTypeVersion="4" ma:contentTypeDescription="Criar um novo documento." ma:contentTypeScope="" ma:versionID="6131feb8c407ee0d9c2a06b489d373ba">
   <xsd:schema xmlns:xsd="http://www.w3.org/2001/XMLSchema" xmlns:xs="http://www.w3.org/2001/XMLSchema" xmlns:p="http://schemas.microsoft.com/office/2006/metadata/properties" xmlns:ns3="40dcc32e-9b85-400f-9629-26c4b9340020" targetNamespace="http://schemas.microsoft.com/office/2006/metadata/properties" ma:root="true" ma:fieldsID="c957df1bea618c82622e58a59f8f5ede" ns3:_="">
     <xsd:import namespace="40dcc32e-9b85-400f-9629-26c4b9340020"/>
@@ -4561,31 +6016,22 @@
 </ct:contentTypeSchema>
 </file>
 
-<file path=customXml/itemProps1.xml><?xml version="1.0" encoding="utf-8"?>
-<ds:datastoreItem xmlns:ds="http://schemas.openxmlformats.org/officeDocument/2006/customXml" ds:itemID="{9B68FA17-7ACC-4512-8F76-37BBB1728E1F}">
-  <ds:schemaRefs>
-    <ds:schemaRef ds:uri="http://purl.org/dc/dcmitype/"/>
-    <ds:schemaRef ds:uri="http://schemas.openxmlformats.org/package/2006/metadata/core-properties"/>
-    <ds:schemaRef ds:uri="http://schemas.microsoft.com/office/2006/metadata/properties"/>
-    <ds:schemaRef ds:uri="http://www.w3.org/XML/1998/namespace"/>
-    <ds:schemaRef ds:uri="http://schemas.microsoft.com/office/infopath/2007/PartnerControls"/>
-    <ds:schemaRef ds:uri="http://purl.org/dc/elements/1.1/"/>
-    <ds:schemaRef ds:uri="40dcc32e-9b85-400f-9629-26c4b9340020"/>
-    <ds:schemaRef ds:uri="http://purl.org/dc/terms/"/>
-    <ds:schemaRef ds:uri="http://schemas.microsoft.com/office/2006/documentManagement/types"/>
-  </ds:schemaRefs>
-</ds:datastoreItem>
+<file path=customXml/item2.xml><?xml version="1.0" encoding="utf-8"?>
+<?mso-contentType ?>
+<FormTemplates xmlns="http://schemas.microsoft.com/sharepoint/v3/contenttype/forms">
+  <Display>DocumentLibraryForm</Display>
+  <Edit>DocumentLibraryForm</Edit>
+  <New>DocumentLibraryForm</New>
+</FormTemplates>
 </file>
 
-<file path=customXml/itemProps2.xml><?xml version="1.0" encoding="utf-8"?>
-<ds:datastoreItem xmlns:ds="http://schemas.openxmlformats.org/officeDocument/2006/customXml" ds:itemID="{AEB98B45-4313-4ABB-8C34-A67242AD364C}">
-  <ds:schemaRefs>
-    <ds:schemaRef ds:uri="http://schemas.microsoft.com/sharepoint/v3/contenttype/forms"/>
-  </ds:schemaRefs>
-</ds:datastoreItem>
+<file path=customXml/item3.xml><?xml version="1.0" encoding="utf-8"?>
+<p:properties xmlns:p="http://schemas.microsoft.com/office/2006/metadata/properties" xmlns:xsi="http://www.w3.org/2001/XMLSchema-instance" xmlns:pc="http://schemas.microsoft.com/office/infopath/2007/PartnerControls">
+  <documentManagement/>
+</p:properties>
 </file>
 
-<file path=customXml/itemProps3.xml><?xml version="1.0" encoding="utf-8"?>
+<file path=customXml/itemProps1.xml><?xml version="1.0" encoding="utf-8"?>
 <ds:datastoreItem xmlns:ds="http://schemas.openxmlformats.org/officeDocument/2006/customXml" ds:itemID="{C253FCF0-9435-4F5F-B202-1389407F61C0}">
   <ds:schemaRefs>
     <ds:schemaRef ds:uri="http://schemas.microsoft.com/office/2006/metadata/contentType"/>
@@ -4601,4 +6047,28 @@
     <ds:schemaRef ds:uri="http://schemas.microsoft.com/internal/obd"/>
   </ds:schemaRefs>
 </ds:datastoreItem>
+</file>
+
+<file path=customXml/itemProps2.xml><?xml version="1.0" encoding="utf-8"?>
+<ds:datastoreItem xmlns:ds="http://schemas.openxmlformats.org/officeDocument/2006/customXml" ds:itemID="{AEB98B45-4313-4ABB-8C34-A67242AD364C}">
+  <ds:schemaRefs>
+    <ds:schemaRef ds:uri="http://schemas.microsoft.com/sharepoint/v3/contenttype/forms"/>
+  </ds:schemaRefs>
+</ds:datastoreItem>
+</file>
+
+<file path=customXml/itemProps3.xml><?xml version="1.0" encoding="utf-8"?>
+<ds:datastoreItem xmlns:ds="http://schemas.openxmlformats.org/officeDocument/2006/customXml" ds:itemID="{9B68FA17-7ACC-4512-8F76-37BBB1728E1F}">
+  <ds:schemaRefs>
+    <ds:schemaRef ds:uri="http://purl.org/dc/dcmitype/"/>
+    <ds:schemaRef ds:uri="http://schemas.openxmlformats.org/package/2006/metadata/core-properties"/>
+    <ds:schemaRef ds:uri="http://schemas.microsoft.com/office/2006/metadata/properties"/>
+    <ds:schemaRef ds:uri="http://www.w3.org/XML/1998/namespace"/>
+    <ds:schemaRef ds:uri="http://schemas.microsoft.com/office/infopath/2007/PartnerControls"/>
+    <ds:schemaRef ds:uri="http://purl.org/dc/elements/1.1/"/>
+    <ds:schemaRef ds:uri="40dcc32e-9b85-400f-9629-26c4b9340020"/>
+    <ds:schemaRef ds:uri="http://purl.org/dc/terms/"/>
+    <ds:schemaRef ds:uri="http://schemas.microsoft.com/office/2006/documentManagement/types"/>
+  </ds:schemaRefs>
+</ds:datastoreItem>
 </file>
--- a/DJW/presentation/Jogo.pptx
+++ b/DJW/presentation/Jogo.pptx
@@ -3512,7 +3512,7 @@
           </a:bodyPr>
           <a:lstStyle/>
           <a:p>
-            <a:endParaRPr lang="en-US" sz="1100">
+            <a:endParaRPr lang="en-US" sz="1100" dirty="0">
               <a:solidFill>
                 <a:srgbClr val="FFFFFF"/>
               </a:solidFill>
@@ -3520,27 +3520,51 @@
           </a:p>
           <a:p>
             <a:r>
-              <a:rPr lang="en-US" sz="1100">
+              <a:rPr lang="en-US" sz="1100" dirty="0" err="1">
                 <a:solidFill>
                   <a:srgbClr val="FFFFFF"/>
                 </a:solidFill>
               </a:rPr>
-              <a:t>Elaborado por:</a:t>
-            </a:r>
-          </a:p>
-          <a:p>
-            <a:r>
-              <a:rPr lang="en-US" sz="1100">
+              <a:t>Elaborado</a:t>
+            </a:r>
+            <a:r>
+              <a:rPr lang="en-US" sz="1100" dirty="0">
                 <a:solidFill>
                   <a:srgbClr val="FFFFFF"/>
                 </a:solidFill>
               </a:rPr>
-              <a:t>Diogo Guimarães nº29528</a:t>
-            </a:r>
-          </a:p>
-          <a:p>
-            <a:r>
-              <a:rPr lang="en-US" sz="1100">
+              <a:t> por:</a:t>
+            </a:r>
+          </a:p>
+          <a:p>
+            <a:r>
+              <a:rPr lang="en-US" sz="1100" dirty="0">
+                <a:solidFill>
+                  <a:srgbClr val="FFFFFF"/>
+                </a:solidFill>
+              </a:rPr>
+              <a:t>Diogo </a:t>
+            </a:r>
+            <a:r>
+              <a:rPr lang="en-US" sz="1100" dirty="0" err="1">
+                <a:solidFill>
+                  <a:srgbClr val="FFFFFF"/>
+                </a:solidFill>
+              </a:rPr>
+              <a:t>Guimarães</a:t>
+            </a:r>
+            <a:r>
+              <a:rPr lang="en-US" sz="1100" dirty="0">
+                <a:solidFill>
+                  <a:srgbClr val="FFFFFF"/>
+                </a:solidFill>
+              </a:rPr>
+              <a:t> nº39528</a:t>
+            </a:r>
+          </a:p>
+          <a:p>
+            <a:r>
+              <a:rPr lang="en-US" sz="1100" dirty="0">
                 <a:solidFill>
                   <a:srgbClr val="FFFFFF"/>
                 </a:solidFill>
@@ -3712,7 +3736,7 @@
           <a:p>
             <a:pPr algn="r"/>
             <a:r>
-              <a:rPr lang="pt-PT" sz="4000">
+              <a:rPr lang="pt-PT" sz="4000" dirty="0">
                 <a:solidFill>
                   <a:srgbClr val="FFFFFF"/>
                 </a:solidFill>
@@ -5873,6 +5897,21 @@
 </file>
 
 <file path=customXml/item1.xml><?xml version="1.0" encoding="utf-8"?>
+<p:properties xmlns:p="http://schemas.microsoft.com/office/2006/metadata/properties" xmlns:xsi="http://www.w3.org/2001/XMLSchema-instance" xmlns:pc="http://schemas.microsoft.com/office/infopath/2007/PartnerControls">
+  <documentManagement/>
+</p:properties>
+</file>
+
+<file path=customXml/item2.xml><?xml version="1.0" encoding="utf-8"?>
+<?mso-contentType ?>
+<FormTemplates xmlns="http://schemas.microsoft.com/sharepoint/v3/contenttype/forms">
+  <Display>DocumentLibraryForm</Display>
+  <Edit>DocumentLibraryForm</Edit>
+  <New>DocumentLibraryForm</New>
+</FormTemplates>
+</file>
+
+<file path=customXml/item3.xml><?xml version="1.0" encoding="utf-8"?>
 <ct:contentTypeSchema xmlns:ct="http://schemas.microsoft.com/office/2006/metadata/contentType" xmlns:ma="http://schemas.microsoft.com/office/2006/metadata/properties/metaAttributes" ct:_="" ma:_="" ma:contentTypeName="Documento" ma:contentTypeID="0x0101009C5DFCF2F47D4E4A83232B07BDBD642B" ma:contentTypeVersion="4" ma:contentTypeDescription="Criar um novo documento." ma:contentTypeScope="" ma:versionID="6131feb8c407ee0d9c2a06b489d373ba">
   <xsd:schema xmlns:xsd="http://www.w3.org/2001/XMLSchema" xmlns:xs="http://www.w3.org/2001/XMLSchema" xmlns:p="http://schemas.microsoft.com/office/2006/metadata/properties" xmlns:ns3="40dcc32e-9b85-400f-9629-26c4b9340020" targetNamespace="http://schemas.microsoft.com/office/2006/metadata/properties" ma:root="true" ma:fieldsID="c957df1bea618c82622e58a59f8f5ede" ns3:_="">
     <xsd:import namespace="40dcc32e-9b85-400f-9629-26c4b9340020"/>
@@ -6016,22 +6055,31 @@
 </ct:contentTypeSchema>
 </file>
 
-<file path=customXml/item2.xml><?xml version="1.0" encoding="utf-8"?>
-<?mso-contentType ?>
-<FormTemplates xmlns="http://schemas.microsoft.com/sharepoint/v3/contenttype/forms">
-  <Display>DocumentLibraryForm</Display>
-  <Edit>DocumentLibraryForm</Edit>
-  <New>DocumentLibraryForm</New>
-</FormTemplates>
+<file path=customXml/itemProps1.xml><?xml version="1.0" encoding="utf-8"?>
+<ds:datastoreItem xmlns:ds="http://schemas.openxmlformats.org/officeDocument/2006/customXml" ds:itemID="{9B68FA17-7ACC-4512-8F76-37BBB1728E1F}">
+  <ds:schemaRefs>
+    <ds:schemaRef ds:uri="http://purl.org/dc/dcmitype/"/>
+    <ds:schemaRef ds:uri="http://schemas.openxmlformats.org/package/2006/metadata/core-properties"/>
+    <ds:schemaRef ds:uri="http://schemas.microsoft.com/office/2006/metadata/properties"/>
+    <ds:schemaRef ds:uri="http://www.w3.org/XML/1998/namespace"/>
+    <ds:schemaRef ds:uri="http://schemas.microsoft.com/office/infopath/2007/PartnerControls"/>
+    <ds:schemaRef ds:uri="http://purl.org/dc/elements/1.1/"/>
+    <ds:schemaRef ds:uri="40dcc32e-9b85-400f-9629-26c4b9340020"/>
+    <ds:schemaRef ds:uri="http://purl.org/dc/terms/"/>
+    <ds:schemaRef ds:uri="http://schemas.microsoft.com/office/2006/documentManagement/types"/>
+  </ds:schemaRefs>
+</ds:datastoreItem>
 </file>
 
-<file path=customXml/item3.xml><?xml version="1.0" encoding="utf-8"?>
-<p:properties xmlns:p="http://schemas.microsoft.com/office/2006/metadata/properties" xmlns:xsi="http://www.w3.org/2001/XMLSchema-instance" xmlns:pc="http://schemas.microsoft.com/office/infopath/2007/PartnerControls">
-  <documentManagement/>
-</p:properties>
+<file path=customXml/itemProps2.xml><?xml version="1.0" encoding="utf-8"?>
+<ds:datastoreItem xmlns:ds="http://schemas.openxmlformats.org/officeDocument/2006/customXml" ds:itemID="{AEB98B45-4313-4ABB-8C34-A67242AD364C}">
+  <ds:schemaRefs>
+    <ds:schemaRef ds:uri="http://schemas.microsoft.com/sharepoint/v3/contenttype/forms"/>
+  </ds:schemaRefs>
+</ds:datastoreItem>
 </file>
 
-<file path=customXml/itemProps1.xml><?xml version="1.0" encoding="utf-8"?>
+<file path=customXml/itemProps3.xml><?xml version="1.0" encoding="utf-8"?>
 <ds:datastoreItem xmlns:ds="http://schemas.openxmlformats.org/officeDocument/2006/customXml" ds:itemID="{C253FCF0-9435-4F5F-B202-1389407F61C0}">
   <ds:schemaRefs>
     <ds:schemaRef ds:uri="http://schemas.microsoft.com/office/2006/metadata/contentType"/>
@@ -6047,28 +6095,4 @@
     <ds:schemaRef ds:uri="http://schemas.microsoft.com/internal/obd"/>
   </ds:schemaRefs>
 </ds:datastoreItem>
-</file>
-
-<file path=customXml/itemProps2.xml><?xml version="1.0" encoding="utf-8"?>
-<ds:datastoreItem xmlns:ds="http://schemas.openxmlformats.org/officeDocument/2006/customXml" ds:itemID="{AEB98B45-4313-4ABB-8C34-A67242AD364C}">
-  <ds:schemaRefs>
-    <ds:schemaRef ds:uri="http://schemas.microsoft.com/sharepoint/v3/contenttype/forms"/>
-  </ds:schemaRefs>
-</ds:datastoreItem>
-</file>
-
-<file path=customXml/itemProps3.xml><?xml version="1.0" encoding="utf-8"?>
-<ds:datastoreItem xmlns:ds="http://schemas.openxmlformats.org/officeDocument/2006/customXml" ds:itemID="{9B68FA17-7ACC-4512-8F76-37BBB1728E1F}">
-  <ds:schemaRefs>
-    <ds:schemaRef ds:uri="http://purl.org/dc/dcmitype/"/>
-    <ds:schemaRef ds:uri="http://schemas.openxmlformats.org/package/2006/metadata/core-properties"/>
-    <ds:schemaRef ds:uri="http://schemas.microsoft.com/office/2006/metadata/properties"/>
-    <ds:schemaRef ds:uri="http://www.w3.org/XML/1998/namespace"/>
-    <ds:schemaRef ds:uri="http://schemas.microsoft.com/office/infopath/2007/PartnerControls"/>
-    <ds:schemaRef ds:uri="http://purl.org/dc/elements/1.1/"/>
-    <ds:schemaRef ds:uri="40dcc32e-9b85-400f-9629-26c4b9340020"/>
-    <ds:schemaRef ds:uri="http://purl.org/dc/terms/"/>
-    <ds:schemaRef ds:uri="http://schemas.microsoft.com/office/2006/documentManagement/types"/>
-  </ds:schemaRefs>
-</ds:datastoreItem>
 </file>